--- a/Poster Template.pptx
+++ b/Poster Template.pptx
@@ -243,7 +243,7 @@
           <a:p>
             <a:fld id="{696E3F36-4BF4-4C84-AAF6-3BB53BA29208}" type="datetimeFigureOut">
               <a:rPr lang="en-US" smtClean="0"/>
-              <a:t>11/24/2019</a:t>
+              <a:t>11/25/2019</a:t>
             </a:fld>
             <a:endParaRPr lang="en-US"/>
           </a:p>
@@ -413,7 +413,7 @@
           <a:p>
             <a:fld id="{696E3F36-4BF4-4C84-AAF6-3BB53BA29208}" type="datetimeFigureOut">
               <a:rPr lang="en-US" smtClean="0"/>
-              <a:t>11/24/2019</a:t>
+              <a:t>11/25/2019</a:t>
             </a:fld>
             <a:endParaRPr lang="en-US"/>
           </a:p>
@@ -593,7 +593,7 @@
           <a:p>
             <a:fld id="{696E3F36-4BF4-4C84-AAF6-3BB53BA29208}" type="datetimeFigureOut">
               <a:rPr lang="en-US" smtClean="0"/>
-              <a:t>11/24/2019</a:t>
+              <a:t>11/25/2019</a:t>
             </a:fld>
             <a:endParaRPr lang="en-US"/>
           </a:p>
@@ -763,7 +763,7 @@
           <a:p>
             <a:fld id="{696E3F36-4BF4-4C84-AAF6-3BB53BA29208}" type="datetimeFigureOut">
               <a:rPr lang="en-US" smtClean="0"/>
-              <a:t>11/24/2019</a:t>
+              <a:t>11/25/2019</a:t>
             </a:fld>
             <a:endParaRPr lang="en-US"/>
           </a:p>
@@ -1007,7 +1007,7 @@
           <a:p>
             <a:fld id="{696E3F36-4BF4-4C84-AAF6-3BB53BA29208}" type="datetimeFigureOut">
               <a:rPr lang="en-US" smtClean="0"/>
-              <a:t>11/24/2019</a:t>
+              <a:t>11/25/2019</a:t>
             </a:fld>
             <a:endParaRPr lang="en-US"/>
           </a:p>
@@ -1239,7 +1239,7 @@
           <a:p>
             <a:fld id="{696E3F36-4BF4-4C84-AAF6-3BB53BA29208}" type="datetimeFigureOut">
               <a:rPr lang="en-US" smtClean="0"/>
-              <a:t>11/24/2019</a:t>
+              <a:t>11/25/2019</a:t>
             </a:fld>
             <a:endParaRPr lang="en-US"/>
           </a:p>
@@ -1606,7 +1606,7 @@
           <a:p>
             <a:fld id="{696E3F36-4BF4-4C84-AAF6-3BB53BA29208}" type="datetimeFigureOut">
               <a:rPr lang="en-US" smtClean="0"/>
-              <a:t>11/24/2019</a:t>
+              <a:t>11/25/2019</a:t>
             </a:fld>
             <a:endParaRPr lang="en-US"/>
           </a:p>
@@ -1724,7 +1724,7 @@
           <a:p>
             <a:fld id="{696E3F36-4BF4-4C84-AAF6-3BB53BA29208}" type="datetimeFigureOut">
               <a:rPr lang="en-US" smtClean="0"/>
-              <a:t>11/24/2019</a:t>
+              <a:t>11/25/2019</a:t>
             </a:fld>
             <a:endParaRPr lang="en-US"/>
           </a:p>
@@ -1819,7 +1819,7 @@
           <a:p>
             <a:fld id="{696E3F36-4BF4-4C84-AAF6-3BB53BA29208}" type="datetimeFigureOut">
               <a:rPr lang="en-US" smtClean="0"/>
-              <a:t>11/24/2019</a:t>
+              <a:t>11/25/2019</a:t>
             </a:fld>
             <a:endParaRPr lang="en-US"/>
           </a:p>
@@ -2096,7 +2096,7 @@
           <a:p>
             <a:fld id="{696E3F36-4BF4-4C84-AAF6-3BB53BA29208}" type="datetimeFigureOut">
               <a:rPr lang="en-US" smtClean="0"/>
-              <a:t>11/24/2019</a:t>
+              <a:t>11/25/2019</a:t>
             </a:fld>
             <a:endParaRPr lang="en-US"/>
           </a:p>
@@ -2353,7 +2353,7 @@
           <a:p>
             <a:fld id="{696E3F36-4BF4-4C84-AAF6-3BB53BA29208}" type="datetimeFigureOut">
               <a:rPr lang="en-US" smtClean="0"/>
-              <a:t>11/24/2019</a:t>
+              <a:t>11/25/2019</a:t>
             </a:fld>
             <a:endParaRPr lang="en-US"/>
           </a:p>
@@ -2566,7 +2566,7 @@
           <a:p>
             <a:fld id="{696E3F36-4BF4-4C84-AAF6-3BB53BA29208}" type="datetimeFigureOut">
               <a:rPr lang="en-US" smtClean="0"/>
-              <a:t>11/24/2019</a:t>
+              <a:t>11/25/2019</a:t>
             </a:fld>
             <a:endParaRPr lang="en-US"/>
           </a:p>
@@ -3068,48 +3068,6 @@
       </p:sp>
       <p:sp>
         <p:nvSpPr>
-          <p:cNvPr id="6" name="TextBox 5">
-            <a:extLst>
-              <a:ext uri="{FF2B5EF4-FFF2-40B4-BE49-F238E27FC236}">
-                <a16:creationId xmlns:a16="http://schemas.microsoft.com/office/drawing/2014/main" id="{E3C12D35-0C41-4510-BBC9-9C042066BE1A}"/>
-              </a:ext>
-            </a:extLst>
-          </p:cNvPr>
-          <p:cNvSpPr txBox="1"/>
-          <p:nvPr/>
-        </p:nvSpPr>
-        <p:spPr>
-          <a:xfrm>
-            <a:off x="10972799" y="4114087"/>
-            <a:ext cx="9791700" cy="7232749"/>
-          </a:xfrm>
-          <a:prstGeom prst="rect">
-            <a:avLst/>
-          </a:prstGeom>
-          <a:noFill/>
-        </p:spPr>
-        <p:txBody>
-          <a:bodyPr wrap="square" rtlCol="0">
-            <a:spAutoFit/>
-          </a:bodyPr>
-          <a:lstStyle/>
-          <a:p>
-            <a:r>
-              <a:rPr lang="en-US" sz="3400" b="1" dirty="0"/>
-              <a:t>Motivation: </a:t>
-            </a:r>
-            <a:r>
-              <a:rPr lang="en-US" sz="3000" dirty="0"/>
-              <a:t>A large part of reddit's success as a "social news aggregation, web content rating, and discussion website" should be accredited to the implementation of karma as a powerful reward system that the users can use to control what content can be viewed. Posts and inevitably users that gain large amounts of upvotes (a large karma score) are viewed with greater frequency and in higher regard respectively. Our team endeavors to build a heuristic system to grade the degree to which a new reddit post will be popular within its respective subreddit. The team intends to quantify what makes a reddit post successful and strictly adheres to ethical research practices with respect to social engineering.  </a:t>
-            </a:r>
-          </a:p>
-          <a:p>
-            <a:endParaRPr lang="en-US" sz="5400" dirty="0"/>
-          </a:p>
-        </p:txBody>
-      </p:sp>
-      <p:sp>
-        <p:nvSpPr>
           <p:cNvPr id="7" name="TextBox 6">
             <a:extLst>
               <a:ext uri="{FF2B5EF4-FFF2-40B4-BE49-F238E27FC236}">
@@ -3123,7 +3081,7 @@
         <p:spPr>
           <a:xfrm>
             <a:off x="1181099" y="19050458"/>
-            <a:ext cx="3581401" cy="3293209"/>
+            <a:ext cx="4285140" cy="3754874"/>
           </a:xfrm>
           <a:prstGeom prst="rect">
             <a:avLst/>
@@ -3148,7 +3106,7 @@
             </a:pPr>
             <a:r>
               <a:rPr lang="en-US" sz="3000" dirty="0"/>
-              <a:t>Tech</a:t>
+              <a:t>Python</a:t>
             </a:r>
           </a:p>
           <a:p>
@@ -3158,7 +3116,7 @@
             </a:pPr>
             <a:r>
               <a:rPr lang="en-US" sz="3000" dirty="0"/>
-              <a:t>More tech </a:t>
+              <a:t>Bootstrap/HTML/CSS</a:t>
             </a:r>
           </a:p>
           <a:p>
@@ -3168,15 +3126,7 @@
             </a:pPr>
             <a:r>
               <a:rPr lang="en-US" sz="3000" dirty="0"/>
-              <a:t>More </a:t>
-            </a:r>
-            <a:r>
-              <a:rPr lang="en-US" sz="3000" dirty="0" err="1"/>
-              <a:t>more</a:t>
-            </a:r>
-            <a:r>
-              <a:rPr lang="en-US" sz="3000" dirty="0"/>
-              <a:t> tech</a:t>
+              <a:t>Flask</a:t>
             </a:r>
           </a:p>
           <a:p>
@@ -3186,7 +3136,7 @@
             </a:pPr>
             <a:r>
               <a:rPr lang="en-US" sz="3000" dirty="0"/>
-              <a:t>Some more stuff</a:t>
+              <a:t>Natural Language Processing</a:t>
             </a:r>
           </a:p>
           <a:p>
@@ -3271,11 +3221,11 @@
           <a:p>
             <a:r>
               <a:rPr lang="en-US" sz="2800" b="1" dirty="0"/>
-              <a:t>Figure 1: </a:t>
+              <a:t>Figure 2: </a:t>
             </a:r>
             <a:r>
               <a:rPr lang="en-US" sz="2800" dirty="0"/>
-              <a:t>This figure shows some cool aspect of our project</a:t>
+              <a:t>Results Page</a:t>
             </a:r>
           </a:p>
           <a:p>
@@ -3339,8 +3289,8 @@
         </p:nvSpPr>
         <p:spPr>
           <a:xfrm>
-            <a:off x="4762500" y="19102372"/>
-            <a:ext cx="3581401" cy="3293209"/>
+            <a:off x="5676345" y="19102372"/>
+            <a:ext cx="4495247" cy="3293209"/>
           </a:xfrm>
           <a:prstGeom prst="rect">
             <a:avLst/>
@@ -3365,7 +3315,7 @@
             </a:pPr>
             <a:r>
               <a:rPr lang="en-US" sz="3000" dirty="0"/>
-              <a:t>Tech</a:t>
+              <a:t>Title Analysis</a:t>
             </a:r>
           </a:p>
           <a:p>
@@ -3375,7 +3325,7 @@
             </a:pPr>
             <a:r>
               <a:rPr lang="en-US" sz="3000" dirty="0"/>
-              <a:t>More tech </a:t>
+              <a:t>Access to complete Reddit archive</a:t>
             </a:r>
           </a:p>
           <a:p>
@@ -3385,26 +3335,13 @@
             </a:pPr>
             <a:r>
               <a:rPr lang="en-US" sz="3000" dirty="0"/>
-              <a:t>More </a:t>
-            </a:r>
-            <a:r>
-              <a:rPr lang="en-US" sz="3000" dirty="0" err="1"/>
-              <a:t>more</a:t>
-            </a:r>
-            <a:r>
-              <a:rPr lang="en-US" sz="3000" dirty="0"/>
-              <a:t> tech</a:t>
-            </a:r>
-          </a:p>
-          <a:p>
-            <a:pPr marL="457200" indent="-457200">
-              <a:buFont typeface="Arial" panose="020B0604020202020204" pitchFamily="34" charset="0"/>
-              <a:buChar char="•"/>
-            </a:pPr>
-            <a:r>
-              <a:rPr lang="en-US" sz="3000" dirty="0"/>
-              <a:t>Some more stuff</a:t>
-            </a:r>
+              <a:t>Uses </a:t>
+            </a:r>
+            <a:r>
+              <a:rPr lang="en-US" sz="3000"/>
+              <a:t>Real Time Data</a:t>
+            </a:r>
+            <a:endParaRPr lang="en-US" sz="3000" dirty="0"/>
           </a:p>
           <a:p>
             <a:endParaRPr lang="en-US" sz="5400" dirty="0"/>
@@ -3488,11 +3425,11 @@
           <a:p>
             <a:r>
               <a:rPr lang="en-US" sz="2800" b="1" dirty="0"/>
-              <a:t>Figure 1: </a:t>
+              <a:t>Figure 3: </a:t>
             </a:r>
             <a:r>
               <a:rPr lang="en-US" sz="2800" dirty="0"/>
-              <a:t>This figure shows some cool aspect of our project</a:t>
+              <a:t>Graph Representing Results</a:t>
             </a:r>
           </a:p>
           <a:p>
@@ -3669,6 +3606,95 @@
               <a:rPr lang="en-US" sz="3000" dirty="0"/>
               <a:t>Visit our Repo at https://github.com/csc4790-fall2019/sp-hagan-solomon-josh-nelson/wiki or Scan the QR Code</a:t>
             </a:r>
+          </a:p>
+        </p:txBody>
+      </p:sp>
+      <p:pic>
+        <p:nvPicPr>
+          <p:cNvPr id="17" name="Picture 2" descr="Image result for google graph">
+            <a:extLst>
+              <a:ext uri="{FF2B5EF4-FFF2-40B4-BE49-F238E27FC236}">
+                <a16:creationId xmlns:a16="http://schemas.microsoft.com/office/drawing/2014/main" id="{4C42AC98-9D27-4067-986D-3BA5F31DC940}"/>
+              </a:ext>
+            </a:extLst>
+          </p:cNvPr>
+          <p:cNvPicPr>
+            <a:picLocks noChangeAspect="1" noChangeArrowheads="1"/>
+          </p:cNvPicPr>
+          <p:nvPr/>
+        </p:nvPicPr>
+        <p:blipFill>
+          <a:blip r:embed="rId2">
+            <a:extLst>
+              <a:ext uri="{28A0092B-C50C-407E-A947-70E740481C1C}">
+                <a14:useLocalDpi xmlns:a14="http://schemas.microsoft.com/office/drawing/2010/main" val="0"/>
+              </a:ext>
+            </a:extLst>
+          </a:blip>
+          <a:srcRect/>
+          <a:stretch>
+            <a:fillRect/>
+          </a:stretch>
+        </p:blipFill>
+        <p:spPr bwMode="auto">
+          <a:xfrm>
+            <a:off x="11182905" y="3750544"/>
+            <a:ext cx="8990493" cy="5958512"/>
+          </a:xfrm>
+          <a:prstGeom prst="rect">
+            <a:avLst/>
+          </a:prstGeom>
+          <a:noFill/>
+          <a:extLst>
+            <a:ext uri="{909E8E84-426E-40DD-AFC4-6F175D3DCCD1}">
+              <a14:hiddenFill xmlns:a14="http://schemas.microsoft.com/office/drawing/2010/main">
+                <a:solidFill>
+                  <a:srgbClr val="FFFFFF"/>
+                </a:solidFill>
+              </a14:hiddenFill>
+            </a:ext>
+          </a:extLst>
+        </p:spPr>
+      </p:pic>
+      <p:sp>
+        <p:nvSpPr>
+          <p:cNvPr id="18" name="TextBox 17">
+            <a:extLst>
+              <a:ext uri="{FF2B5EF4-FFF2-40B4-BE49-F238E27FC236}">
+                <a16:creationId xmlns:a16="http://schemas.microsoft.com/office/drawing/2014/main" id="{A093D43F-04CF-41E9-969E-DA285239AEEA}"/>
+              </a:ext>
+            </a:extLst>
+          </p:cNvPr>
+          <p:cNvSpPr txBox="1"/>
+          <p:nvPr/>
+        </p:nvSpPr>
+        <p:spPr>
+          <a:xfrm>
+            <a:off x="11182905" y="10023150"/>
+            <a:ext cx="9791700" cy="1354217"/>
+          </a:xfrm>
+          <a:prstGeom prst="rect">
+            <a:avLst/>
+          </a:prstGeom>
+          <a:noFill/>
+        </p:spPr>
+        <p:txBody>
+          <a:bodyPr wrap="square" rtlCol="0">
+            <a:spAutoFit/>
+          </a:bodyPr>
+          <a:lstStyle/>
+          <a:p>
+            <a:r>
+              <a:rPr lang="en-US" sz="2800" b="1" dirty="0"/>
+              <a:t>Figure 1: </a:t>
+            </a:r>
+            <a:r>
+              <a:rPr lang="en-US" sz="2800" dirty="0"/>
+              <a:t>Home Page</a:t>
+            </a:r>
+          </a:p>
+          <a:p>
+            <a:endParaRPr lang="en-US" sz="5400" dirty="0"/>
           </a:p>
         </p:txBody>
       </p:sp>

--- a/Poster Template.pptx
+++ b/Poster Template.pptx
@@ -2,7 +2,7 @@
 <file path=ppt/presentation.xml><?xml version="1.0" encoding="utf-8"?>
 <p:presentation xmlns:a="http://schemas.openxmlformats.org/drawingml/2006/main" xmlns:r="http://schemas.openxmlformats.org/officeDocument/2006/relationships" xmlns:p="http://schemas.openxmlformats.org/presentationml/2006/main" saveSubsetFonts="1">
   <p:sldMasterIdLst>
-    <p:sldMasterId id="2147483660" r:id="rId1"/>
+    <p:sldMasterId id="2147483684" r:id="rId1"/>
   </p:sldMasterIdLst>
   <p:sldIdLst>
     <p:sldId id="256" r:id="rId2"/>
@@ -294,7 +294,7 @@
     </p:spTree>
     <p:extLst>
       <p:ext uri="{BB962C8B-B14F-4D97-AF65-F5344CB8AC3E}">
-        <p14:creationId xmlns:p14="http://schemas.microsoft.com/office/powerpoint/2010/main" val="764930915"/>
+        <p14:creationId xmlns:p14="http://schemas.microsoft.com/office/powerpoint/2010/main" val="3535455995"/>
       </p:ext>
     </p:extLst>
   </p:cSld>
@@ -362,7 +362,7 @@
             <a:pPr lvl="0"/>
             <a:r>
               <a:rPr lang="en-US"/>
-              <a:t>Edit Master text styles</a:t>
+              <a:t>Click to edit Master text styles</a:t>
             </a:r>
           </a:p>
           <a:p>
@@ -464,7 +464,7 @@
     </p:spTree>
     <p:extLst>
       <p:ext uri="{BB962C8B-B14F-4D97-AF65-F5344CB8AC3E}">
-        <p14:creationId xmlns:p14="http://schemas.microsoft.com/office/powerpoint/2010/main" val="1928896245"/>
+        <p14:creationId xmlns:p14="http://schemas.microsoft.com/office/powerpoint/2010/main" val="1660882058"/>
       </p:ext>
     </p:extLst>
   </p:cSld>
@@ -542,7 +542,7 @@
             <a:pPr lvl="0"/>
             <a:r>
               <a:rPr lang="en-US"/>
-              <a:t>Edit Master text styles</a:t>
+              <a:t>Click to edit Master text styles</a:t>
             </a:r>
           </a:p>
           <a:p>
@@ -644,7 +644,7 @@
     </p:spTree>
     <p:extLst>
       <p:ext uri="{BB962C8B-B14F-4D97-AF65-F5344CB8AC3E}">
-        <p14:creationId xmlns:p14="http://schemas.microsoft.com/office/powerpoint/2010/main" val="451608368"/>
+        <p14:creationId xmlns:p14="http://schemas.microsoft.com/office/powerpoint/2010/main" val="1308814737"/>
       </p:ext>
     </p:extLst>
   </p:cSld>
@@ -712,7 +712,7 @@
             <a:pPr lvl="0"/>
             <a:r>
               <a:rPr lang="en-US"/>
-              <a:t>Edit Master text styles</a:t>
+              <a:t>Click to edit Master text styles</a:t>
             </a:r>
           </a:p>
           <a:p>
@@ -814,7 +814,7 @@
     </p:spTree>
     <p:extLst>
       <p:ext uri="{BB962C8B-B14F-4D97-AF65-F5344CB8AC3E}">
-        <p14:creationId xmlns:p14="http://schemas.microsoft.com/office/powerpoint/2010/main" val="1159520811"/>
+        <p14:creationId xmlns:p14="http://schemas.microsoft.com/office/powerpoint/2010/main" val="2494396870"/>
       </p:ext>
     </p:extLst>
   </p:cSld>
@@ -985,7 +985,7 @@
             <a:pPr lvl="0"/>
             <a:r>
               <a:rPr lang="en-US"/>
-              <a:t>Edit Master text styles</a:t>
+              <a:t>Click to edit Master text styles</a:t>
             </a:r>
           </a:p>
         </p:txBody>
@@ -1058,7 +1058,7 @@
     </p:spTree>
     <p:extLst>
       <p:ext uri="{BB962C8B-B14F-4D97-AF65-F5344CB8AC3E}">
-        <p14:creationId xmlns:p14="http://schemas.microsoft.com/office/powerpoint/2010/main" val="938640523"/>
+        <p14:creationId xmlns:p14="http://schemas.microsoft.com/office/powerpoint/2010/main" val="611063728"/>
       </p:ext>
     </p:extLst>
   </p:cSld>
@@ -1131,7 +1131,7 @@
             <a:pPr lvl="0"/>
             <a:r>
               <a:rPr lang="en-US"/>
-              <a:t>Edit Master text styles</a:t>
+              <a:t>Click to edit Master text styles</a:t>
             </a:r>
           </a:p>
           <a:p>
@@ -1188,7 +1188,7 @@
             <a:pPr lvl="0"/>
             <a:r>
               <a:rPr lang="en-US"/>
-              <a:t>Edit Master text styles</a:t>
+              <a:t>Click to edit Master text styles</a:t>
             </a:r>
           </a:p>
           <a:p>
@@ -1290,7 +1290,7 @@
     </p:spTree>
     <p:extLst>
       <p:ext uri="{BB962C8B-B14F-4D97-AF65-F5344CB8AC3E}">
-        <p14:creationId xmlns:p14="http://schemas.microsoft.com/office/powerpoint/2010/main" val="3584479714"/>
+        <p14:creationId xmlns:p14="http://schemas.microsoft.com/office/powerpoint/2010/main" val="1367008811"/>
       </p:ext>
     </p:extLst>
   </p:cSld>
@@ -1405,7 +1405,7 @@
             <a:pPr lvl="0"/>
             <a:r>
               <a:rPr lang="en-US"/>
-              <a:t>Edit Master text styles</a:t>
+              <a:t>Click to edit Master text styles</a:t>
             </a:r>
           </a:p>
         </p:txBody>
@@ -1433,7 +1433,7 @@
             <a:pPr lvl="0"/>
             <a:r>
               <a:rPr lang="en-US"/>
-              <a:t>Edit Master text styles</a:t>
+              <a:t>Click to edit Master text styles</a:t>
             </a:r>
           </a:p>
           <a:p>
@@ -1527,7 +1527,7 @@
             <a:pPr lvl="0"/>
             <a:r>
               <a:rPr lang="en-US"/>
-              <a:t>Edit Master text styles</a:t>
+              <a:t>Click to edit Master text styles</a:t>
             </a:r>
           </a:p>
         </p:txBody>
@@ -1555,7 +1555,7 @@
             <a:pPr lvl="0"/>
             <a:r>
               <a:rPr lang="en-US"/>
-              <a:t>Edit Master text styles</a:t>
+              <a:t>Click to edit Master text styles</a:t>
             </a:r>
           </a:p>
           <a:p>
@@ -1657,7 +1657,7 @@
     </p:spTree>
     <p:extLst>
       <p:ext uri="{BB962C8B-B14F-4D97-AF65-F5344CB8AC3E}">
-        <p14:creationId xmlns:p14="http://schemas.microsoft.com/office/powerpoint/2010/main" val="4016609511"/>
+        <p14:creationId xmlns:p14="http://schemas.microsoft.com/office/powerpoint/2010/main" val="4150251524"/>
       </p:ext>
     </p:extLst>
   </p:cSld>
@@ -1775,7 +1775,7 @@
     </p:spTree>
     <p:extLst>
       <p:ext uri="{BB962C8B-B14F-4D97-AF65-F5344CB8AC3E}">
-        <p14:creationId xmlns:p14="http://schemas.microsoft.com/office/powerpoint/2010/main" val="4223909395"/>
+        <p14:creationId xmlns:p14="http://schemas.microsoft.com/office/powerpoint/2010/main" val="3410006665"/>
       </p:ext>
     </p:extLst>
   </p:cSld>
@@ -1870,7 +1870,7 @@
     </p:spTree>
     <p:extLst>
       <p:ext uri="{BB962C8B-B14F-4D97-AF65-F5344CB8AC3E}">
-        <p14:creationId xmlns:p14="http://schemas.microsoft.com/office/powerpoint/2010/main" val="2211801934"/>
+        <p14:creationId xmlns:p14="http://schemas.microsoft.com/office/powerpoint/2010/main" val="4186105111"/>
       </p:ext>
     </p:extLst>
   </p:cSld>
@@ -1980,7 +1980,7 @@
             <a:pPr lvl="0"/>
             <a:r>
               <a:rPr lang="en-US"/>
-              <a:t>Edit Master text styles</a:t>
+              <a:t>Click to edit Master text styles</a:t>
             </a:r>
           </a:p>
           <a:p>
@@ -2074,7 +2074,7 @@
             <a:pPr lvl="0"/>
             <a:r>
               <a:rPr lang="en-US"/>
-              <a:t>Edit Master text styles</a:t>
+              <a:t>Click to edit Master text styles</a:t>
             </a:r>
           </a:p>
         </p:txBody>
@@ -2147,7 +2147,7 @@
     </p:spTree>
     <p:extLst>
       <p:ext uri="{BB962C8B-B14F-4D97-AF65-F5344CB8AC3E}">
-        <p14:creationId xmlns:p14="http://schemas.microsoft.com/office/powerpoint/2010/main" val="485356683"/>
+        <p14:creationId xmlns:p14="http://schemas.microsoft.com/office/powerpoint/2010/main" val="119433958"/>
       </p:ext>
     </p:extLst>
   </p:cSld>
@@ -2331,7 +2331,7 @@
             <a:pPr lvl="0"/>
             <a:r>
               <a:rPr lang="en-US"/>
-              <a:t>Edit Master text styles</a:t>
+              <a:t>Click to edit Master text styles</a:t>
             </a:r>
           </a:p>
         </p:txBody>
@@ -2404,7 +2404,7 @@
     </p:spTree>
     <p:extLst>
       <p:ext uri="{BB962C8B-B14F-4D97-AF65-F5344CB8AC3E}">
-        <p14:creationId xmlns:p14="http://schemas.microsoft.com/office/powerpoint/2010/main" val="729472868"/>
+        <p14:creationId xmlns:p14="http://schemas.microsoft.com/office/powerpoint/2010/main" val="2273966593"/>
       </p:ext>
     </p:extLst>
   </p:cSld>
@@ -2497,7 +2497,7 @@
             <a:pPr lvl="0"/>
             <a:r>
               <a:rPr lang="en-US"/>
-              <a:t>Edit Master text styles</a:t>
+              <a:t>Click to edit Master text styles</a:t>
             </a:r>
           </a:p>
           <a:p>
@@ -2653,23 +2653,23 @@
     </p:spTree>
     <p:extLst>
       <p:ext uri="{BB962C8B-B14F-4D97-AF65-F5344CB8AC3E}">
-        <p14:creationId xmlns:p14="http://schemas.microsoft.com/office/powerpoint/2010/main" val="3315259843"/>
+        <p14:creationId xmlns:p14="http://schemas.microsoft.com/office/powerpoint/2010/main" val="3561287143"/>
       </p:ext>
     </p:extLst>
   </p:cSld>
   <p:clrMap bg1="lt1" tx1="dk1" bg2="lt2" tx2="dk2" accent1="accent1" accent2="accent2" accent3="accent3" accent4="accent4" accent5="accent5" accent6="accent6" hlink="hlink" folHlink="folHlink"/>
   <p:sldLayoutIdLst>
-    <p:sldLayoutId id="2147483661" r:id="rId1"/>
-    <p:sldLayoutId id="2147483662" r:id="rId2"/>
-    <p:sldLayoutId id="2147483663" r:id="rId3"/>
-    <p:sldLayoutId id="2147483664" r:id="rId4"/>
-    <p:sldLayoutId id="2147483665" r:id="rId5"/>
-    <p:sldLayoutId id="2147483666" r:id="rId6"/>
-    <p:sldLayoutId id="2147483667" r:id="rId7"/>
-    <p:sldLayoutId id="2147483668" r:id="rId8"/>
-    <p:sldLayoutId id="2147483669" r:id="rId9"/>
-    <p:sldLayoutId id="2147483670" r:id="rId10"/>
-    <p:sldLayoutId id="2147483671" r:id="rId11"/>
+    <p:sldLayoutId id="2147483685" r:id="rId1"/>
+    <p:sldLayoutId id="2147483686" r:id="rId2"/>
+    <p:sldLayoutId id="2147483687" r:id="rId3"/>
+    <p:sldLayoutId id="2147483688" r:id="rId4"/>
+    <p:sldLayoutId id="2147483689" r:id="rId5"/>
+    <p:sldLayoutId id="2147483690" r:id="rId6"/>
+    <p:sldLayoutId id="2147483691" r:id="rId7"/>
+    <p:sldLayoutId id="2147483692" r:id="rId8"/>
+    <p:sldLayoutId id="2147483693" r:id="rId9"/>
+    <p:sldLayoutId id="2147483694" r:id="rId10"/>
+    <p:sldLayoutId id="2147483695" r:id="rId11"/>
   </p:sldLayoutIdLst>
   <p:txStyles>
     <p:titleStyle>
@@ -2957,6 +2957,17 @@
 <file path=ppt/slides/slide1.xml><?xml version="1.0" encoding="utf-8"?>
 <p:sld xmlns:a="http://schemas.openxmlformats.org/drawingml/2006/main" xmlns:r="http://schemas.openxmlformats.org/officeDocument/2006/relationships" xmlns:p="http://schemas.openxmlformats.org/presentationml/2006/main">
   <p:cSld>
+    <p:bg>
+      <p:bgPr>
+        <a:solidFill>
+          <a:schemeClr val="accent5">
+            <a:lumMod val="20000"/>
+            <a:lumOff val="80000"/>
+          </a:schemeClr>
+        </a:solidFill>
+        <a:effectLst/>
+      </p:bgPr>
+    </p:bg>
     <p:spTree>
       <p:nvGrpSpPr>
         <p:cNvPr id="1" name=""/>
@@ -3080,7 +3091,7 @@
         </p:nvSpPr>
         <p:spPr>
           <a:xfrm>
-            <a:off x="1181099" y="19050458"/>
+            <a:off x="1181099" y="18533053"/>
             <a:ext cx="4285140" cy="3754874"/>
           </a:xfrm>
           <a:prstGeom prst="rect">
@@ -3144,53 +3155,6 @@
           </a:p>
         </p:txBody>
       </p:sp>
-      <p:pic>
-        <p:nvPicPr>
-          <p:cNvPr id="1026" name="Picture 2" descr="Image result for google graph">
-            <a:extLst>
-              <a:ext uri="{FF2B5EF4-FFF2-40B4-BE49-F238E27FC236}">
-                <a16:creationId xmlns:a16="http://schemas.microsoft.com/office/drawing/2014/main" id="{61AB8870-7C53-4DA4-B7D8-1BBFB510FAE3}"/>
-              </a:ext>
-            </a:extLst>
-          </p:cNvPr>
-          <p:cNvPicPr>
-            <a:picLocks noChangeAspect="1" noChangeArrowheads="1"/>
-          </p:cNvPicPr>
-          <p:nvPr/>
-        </p:nvPicPr>
-        <p:blipFill>
-          <a:blip r:embed="rId2">
-            <a:extLst>
-              <a:ext uri="{28A0092B-C50C-407E-A947-70E740481C1C}">
-                <a14:useLocalDpi xmlns:a14="http://schemas.microsoft.com/office/drawing/2010/main" val="0"/>
-              </a:ext>
-            </a:extLst>
-          </a:blip>
-          <a:srcRect/>
-          <a:stretch>
-            <a:fillRect/>
-          </a:stretch>
-        </p:blipFill>
-        <p:spPr bwMode="auto">
-          <a:xfrm>
-            <a:off x="1181099" y="11346836"/>
-            <a:ext cx="8990493" cy="5958512"/>
-          </a:xfrm>
-          <a:prstGeom prst="rect">
-            <a:avLst/>
-          </a:prstGeom>
-          <a:noFill/>
-          <a:extLst>
-            <a:ext uri="{909E8E84-426E-40DD-AFC4-6F175D3DCCD1}">
-              <a14:hiddenFill xmlns:a14="http://schemas.microsoft.com/office/drawing/2010/main">
-                <a:solidFill>
-                  <a:srgbClr val="FFFFFF"/>
-                </a:solidFill>
-              </a14:hiddenFill>
-            </a:ext>
-          </a:extLst>
-        </p:spPr>
-      </p:pic>
       <p:sp>
         <p:nvSpPr>
           <p:cNvPr id="9" name="TextBox 8">
@@ -3248,7 +3212,7 @@
         <p:spPr>
           <a:xfrm>
             <a:off x="10972799" y="11407899"/>
-            <a:ext cx="10592910" cy="6063198"/>
+            <a:ext cx="10592910" cy="615553"/>
           </a:xfrm>
           <a:prstGeom prst="rect">
             <a:avLst/>
@@ -3267,10 +3231,8 @@
             </a:r>
             <a:r>
               <a:rPr lang="en-US" sz="3000" dirty="0"/>
-              <a:t>A large part of reddit's success as a "social news aggregation, web content rating, and discussion website" should be accredited to the implementation of karma as a powerful reward system that the users can use to control what content can be viewed. Posts and inevitably users that gain large amounts of upvotes (a large karma score) are viewed with greater frequency and in higher regard respectively. Our team endeavors to build a heuristic system to grade the degree to which a new reddit post will be popular within its respective subreddit. The team intends to quantify what makes a reddit post successful and strictly adheres to ethical research practices with respect to social engineering.  </a:t>
-            </a:r>
-          </a:p>
-          <a:p>
+              <a:t>We used a variety of algorithms such as </a:t>
+            </a:r>
             <a:endParaRPr lang="en-US" sz="5400" dirty="0"/>
           </a:p>
         </p:txBody>
@@ -3289,7 +3251,7 @@
         </p:nvSpPr>
         <p:spPr>
           <a:xfrm>
-            <a:off x="5676345" y="19102372"/>
+            <a:off x="5676345" y="18578498"/>
             <a:ext cx="4495247" cy="3293209"/>
           </a:xfrm>
           <a:prstGeom prst="rect">
@@ -3335,13 +3297,8 @@
             </a:pPr>
             <a:r>
               <a:rPr lang="en-US" sz="3000" dirty="0"/>
-              <a:t>Uses </a:t>
-            </a:r>
-            <a:r>
-              <a:rPr lang="en-US" sz="3000"/>
-              <a:t>Real Time Data</a:t>
-            </a:r>
-            <a:endParaRPr lang="en-US" sz="3000" dirty="0"/>
+              <a:t>Uses Real Time Data</a:t>
+            </a:r>
           </a:p>
           <a:p>
             <a:endParaRPr lang="en-US" sz="5400" dirty="0"/>
@@ -3377,7 +3334,7 @@
         </p:blipFill>
         <p:spPr bwMode="auto">
           <a:xfrm>
-            <a:off x="10858499" y="18327054"/>
+            <a:off x="10972799" y="18060480"/>
             <a:ext cx="10592910" cy="5958512"/>
           </a:xfrm>
           <a:prstGeom prst="rect">
@@ -3595,7 +3552,7 @@
             </a:r>
             <a:r>
               <a:rPr lang="en-US" sz="3000" dirty="0"/>
-              <a:t>Where do we go now. Where do we go now where do we go now where do we go now where do we go now</a:t>
+              <a:t>We would like to expand our machine learning algorithms to include Images to include visual subreddits like r/Pics</a:t>
             </a:r>
           </a:p>
           <a:p>
@@ -3698,6 +3655,42 @@
           </a:p>
         </p:txBody>
       </p:sp>
+      <p:pic>
+        <p:nvPicPr>
+          <p:cNvPr id="19" name="Picture 18">
+            <a:extLst>
+              <a:ext uri="{FF2B5EF4-FFF2-40B4-BE49-F238E27FC236}">
+                <a16:creationId xmlns:a16="http://schemas.microsoft.com/office/drawing/2014/main" id="{E3D0A080-A1AF-4B70-AA6F-38742B3D3AB2}"/>
+              </a:ext>
+            </a:extLst>
+          </p:cNvPr>
+          <p:cNvPicPr>
+            <a:picLocks noChangeAspect="1"/>
+          </p:cNvPicPr>
+          <p:nvPr/>
+        </p:nvPicPr>
+        <p:blipFill>
+          <a:blip r:embed="rId4">
+            <a:extLst>
+              <a:ext uri="{28A0092B-C50C-407E-A947-70E740481C1C}">
+                <a14:useLocalDpi xmlns:a14="http://schemas.microsoft.com/office/drawing/2010/main" val="0"/>
+              </a:ext>
+            </a:extLst>
+          </a:blip>
+          <a:stretch>
+            <a:fillRect/>
+          </a:stretch>
+        </p:blipFill>
+        <p:spPr>
+          <a:xfrm>
+            <a:off x="567548" y="10630140"/>
+            <a:ext cx="10195148" cy="6441399"/>
+          </a:xfrm>
+          <a:prstGeom prst="rect">
+            <a:avLst/>
+          </a:prstGeom>
+        </p:spPr>
+      </p:pic>
     </p:spTree>
     <p:extLst>
       <p:ext uri="{BB962C8B-B14F-4D97-AF65-F5344CB8AC3E}">

--- a/Poster Template.pptx
+++ b/Poster Template.pptx
@@ -2957,17 +2957,6 @@
 <file path=ppt/slides/slide1.xml><?xml version="1.0" encoding="utf-8"?>
 <p:sld xmlns:a="http://schemas.openxmlformats.org/drawingml/2006/main" xmlns:r="http://schemas.openxmlformats.org/officeDocument/2006/relationships" xmlns:p="http://schemas.openxmlformats.org/presentationml/2006/main">
   <p:cSld>
-    <p:bg>
-      <p:bgPr>
-        <a:solidFill>
-          <a:schemeClr val="accent5">
-            <a:lumMod val="20000"/>
-            <a:lumOff val="80000"/>
-          </a:schemeClr>
-        </a:solidFill>
-        <a:effectLst/>
-      </p:bgPr>
-    </p:bg>
     <p:spTree>
       <p:nvGrpSpPr>
         <p:cNvPr id="1" name=""/>
@@ -2997,7 +2986,7 @@
         <p:spPr>
           <a:xfrm>
             <a:off x="2734230" y="647280"/>
-            <a:ext cx="16897350" cy="5078313"/>
+            <a:ext cx="16897350" cy="2893100"/>
           </a:xfrm>
           <a:prstGeom prst="rect">
             <a:avLst/>
@@ -3010,28 +2999,32 @@
           </a:bodyPr>
           <a:lstStyle/>
           <a:p>
+            <a:r>
+              <a:rPr lang="en-US" sz="8000" b="1" dirty="0"/>
+              <a:t>                            </a:t>
+            </a:r>
+            <a:r>
+              <a:rPr lang="en-US" sz="8800" b="1" dirty="0"/>
+              <a:t>KW</a:t>
+            </a:r>
+          </a:p>
+          <a:p>
             <a:pPr algn="ctr"/>
             <a:r>
               <a:rPr lang="en-US" sz="5400" b="1" dirty="0"/>
-              <a:t>KW: Approaching Text Based Subreddits Through Machine Learning</a:t>
+              <a:t> </a:t>
+            </a:r>
+            <a:r>
+              <a:rPr lang="en-US" sz="4400" b="1" dirty="0"/>
+              <a:t>Approaching Text Based Subreddits Through Machine Learning</a:t>
             </a:r>
           </a:p>
           <a:p>
             <a:pPr algn="ctr"/>
             <a:r>
-              <a:rPr lang="en-US" sz="5400" dirty="0"/>
-              <a:t>Hagan Brewer, Joshua Brucker, Solomon King, Nelson Vargas</a:t>
-            </a:r>
-          </a:p>
-          <a:p>
-            <a:endParaRPr lang="en-US" sz="5400" dirty="0"/>
-          </a:p>
-          <a:p>
-            <a:pPr algn="ctr"/>
-            <a:endParaRPr lang="en-US" sz="5400" b="1" dirty="0"/>
-          </a:p>
-          <a:p>
-            <a:endParaRPr lang="en-US" sz="5400" dirty="0"/>
+              <a:rPr lang="en-US" sz="4000" dirty="0"/>
+              <a:t>Hagan Brewer, Joshua Brucker, Solomon Kim, Nelson Vargas</a:t>
+            </a:r>
           </a:p>
         </p:txBody>
       </p:sp>
@@ -3049,13 +3042,18 @@
         </p:nvSpPr>
         <p:spPr>
           <a:xfrm>
-            <a:off x="1181099" y="4114087"/>
-            <a:ext cx="9791700" cy="7232749"/>
+            <a:off x="970996" y="3797310"/>
+            <a:ext cx="9791700" cy="6155531"/>
           </a:xfrm>
           <a:prstGeom prst="rect">
             <a:avLst/>
           </a:prstGeom>
           <a:noFill/>
+          <a:ln w="76200">
+            <a:solidFill>
+              <a:schemeClr val="tx1"/>
+            </a:solidFill>
+          </a:ln>
         </p:spPr>
         <p:txBody>
           <a:bodyPr wrap="square" rtlCol="0">
@@ -3071,9 +3069,6 @@
               <a:rPr lang="en-US" sz="3000" dirty="0"/>
               <a:t>A large part of reddit's success as a "social news aggregation, web content rating, and discussion website" should be accredited to the implementation of karma as a powerful reward system that the users can use to control what content can be viewed. Posts and inevitably users that gain large amounts of upvotes (a large karma score) are viewed with greater frequency and in higher regard respectively. Our team endeavors to build a heuristic system to grade the degree to which a new reddit post will be popular within its respective subreddit. The team intends to quantify what makes a reddit post successful and strictly adheres to ethical research practices with respect to social engineering.  </a:t>
             </a:r>
-          </a:p>
-          <a:p>
-            <a:endParaRPr lang="en-US" sz="5400" dirty="0"/>
           </a:p>
         </p:txBody>
       </p:sp>
@@ -3109,6 +3104,7 @@
               <a:rPr lang="en-US" sz="3400" b="1" dirty="0"/>
               <a:t>Technologies:</a:t>
             </a:r>
+            <a:endParaRPr lang="en-US" sz="3400" dirty="0"/>
           </a:p>
           <a:p>
             <a:pPr marL="457200" indent="-457200">
@@ -3169,8 +3165,8 @@
         </p:nvSpPr>
         <p:spPr>
           <a:xfrm>
-            <a:off x="1181099" y="17748155"/>
-            <a:ext cx="9791700" cy="1354217"/>
+            <a:off x="3658897" y="17558505"/>
+            <a:ext cx="4012450" cy="523220"/>
           </a:xfrm>
           <a:prstGeom prst="rect">
             <a:avLst/>
@@ -3191,9 +3187,6 @@
               <a:rPr lang="en-US" sz="2800" dirty="0"/>
               <a:t>Results Page</a:t>
             </a:r>
-          </a:p>
-          <a:p>
-            <a:endParaRPr lang="en-US" sz="5400" dirty="0"/>
           </a:p>
         </p:txBody>
       </p:sp>
@@ -3211,13 +3204,18 @@
         </p:nvSpPr>
         <p:spPr>
           <a:xfrm>
-            <a:off x="10972799" y="11407899"/>
-            <a:ext cx="10592910" cy="615553"/>
+            <a:off x="11170599" y="12413485"/>
+            <a:ext cx="10592910" cy="4678204"/>
           </a:xfrm>
           <a:prstGeom prst="rect">
             <a:avLst/>
           </a:prstGeom>
           <a:noFill/>
+          <a:ln w="76200">
+            <a:solidFill>
+              <a:schemeClr val="tx1"/>
+            </a:solidFill>
+          </a:ln>
         </p:spPr>
         <p:txBody>
           <a:bodyPr wrap="square" rtlCol="0">
@@ -3233,6 +3231,29 @@
               <a:rPr lang="en-US" sz="3000" dirty="0"/>
               <a:t>We used a variety of algorithms such as </a:t>
             </a:r>
+          </a:p>
+          <a:p>
+            <a:endParaRPr lang="en-US" sz="3000" dirty="0"/>
+          </a:p>
+          <a:p>
+            <a:endParaRPr lang="en-US" sz="3000" dirty="0"/>
+          </a:p>
+          <a:p>
+            <a:endParaRPr lang="en-US" sz="3000" dirty="0"/>
+          </a:p>
+          <a:p>
+            <a:endParaRPr lang="en-US" sz="3000" dirty="0"/>
+          </a:p>
+          <a:p>
+            <a:endParaRPr lang="en-US" sz="3000" dirty="0"/>
+          </a:p>
+          <a:p>
+            <a:endParaRPr lang="en-US" sz="3000" dirty="0"/>
+          </a:p>
+          <a:p>
+            <a:endParaRPr lang="en-US" sz="3000" dirty="0"/>
+          </a:p>
+          <a:p>
             <a:endParaRPr lang="en-US" sz="5400" dirty="0"/>
           </a:p>
         </p:txBody>
@@ -3334,7 +3355,7 @@
         </p:blipFill>
         <p:spPr bwMode="auto">
           <a:xfrm>
-            <a:off x="10972799" y="18060480"/>
+            <a:off x="10972799" y="18100540"/>
             <a:ext cx="10592910" cy="5958512"/>
           </a:xfrm>
           <a:prstGeom prst="rect">
@@ -3366,8 +3387,8 @@
         </p:nvSpPr>
         <p:spPr>
           <a:xfrm>
-            <a:off x="10972799" y="24328323"/>
-            <a:ext cx="9791700" cy="1354217"/>
+            <a:off x="13432535" y="24323933"/>
+            <a:ext cx="5673437" cy="523220"/>
           </a:xfrm>
           <a:prstGeom prst="rect">
             <a:avLst/>
@@ -3388,9 +3409,6 @@
               <a:rPr lang="en-US" sz="2800" dirty="0"/>
               <a:t>Graph Representing Results</a:t>
             </a:r>
-          </a:p>
-          <a:p>
-            <a:endParaRPr lang="en-US" sz="5400" dirty="0"/>
           </a:p>
         </p:txBody>
       </p:sp>
@@ -3408,13 +3426,18 @@
         </p:nvSpPr>
         <p:spPr>
           <a:xfrm>
-            <a:off x="1181099" y="27569618"/>
-            <a:ext cx="9791700" cy="2215991"/>
+            <a:off x="769272" y="27424145"/>
+            <a:ext cx="9791700" cy="1384995"/>
           </a:xfrm>
           <a:prstGeom prst="rect">
             <a:avLst/>
           </a:prstGeom>
           <a:noFill/>
+          <a:ln w="76200">
+            <a:solidFill>
+              <a:schemeClr val="tx1"/>
+            </a:solidFill>
+          </a:ln>
         </p:spPr>
         <p:txBody>
           <a:bodyPr wrap="square" rtlCol="0">
@@ -3434,9 +3457,6 @@
               <a:rPr lang="en-US" sz="2800" dirty="0"/>
               <a:t>, Villanova Computer Science Department</a:t>
             </a:r>
-          </a:p>
-          <a:p>
-            <a:endParaRPr lang="en-US" sz="5400" dirty="0"/>
           </a:p>
         </p:txBody>
       </p:sp>
@@ -3454,13 +3474,18 @@
         </p:nvSpPr>
         <p:spPr>
           <a:xfrm>
-            <a:off x="1181099" y="21899087"/>
-            <a:ext cx="9791700" cy="6063198"/>
+            <a:off x="769272" y="21871707"/>
+            <a:ext cx="9791700" cy="5139869"/>
           </a:xfrm>
           <a:prstGeom prst="rect">
             <a:avLst/>
           </a:prstGeom>
           <a:noFill/>
+          <a:ln w="76200">
+            <a:solidFill>
+              <a:schemeClr val="tx1"/>
+            </a:solidFill>
+          </a:ln>
         </p:spPr>
         <p:txBody>
           <a:bodyPr wrap="square" rtlCol="0">
@@ -3474,8 +3499,32 @@
             </a:r>
             <a:r>
               <a:rPr lang="en-US" sz="3000" dirty="0"/>
-              <a:t>A large part of reddit's success as a "social news aggregation, web content rating, and discussion website" should be accredited to the implementation of karma as a powerful reward system that the users can use to control what content can be viewed. Posts and inevitably users that gain large amounts of upvotes (a large karma score) are viewed with greater frequency and in higher regard respectively. Our team endeavors to build a heuristic system to grade the degree to which a new reddit post will be popular within its respective subreddit. The team intends to quantify what makes a reddit post successful</a:t>
-            </a:r>
+              <a:t>We found that </a:t>
+            </a:r>
+          </a:p>
+          <a:p>
+            <a:endParaRPr lang="en-US" sz="3000" dirty="0"/>
+          </a:p>
+          <a:p>
+            <a:endParaRPr lang="en-US" sz="3000" dirty="0"/>
+          </a:p>
+          <a:p>
+            <a:endParaRPr lang="en-US" sz="3000" dirty="0"/>
+          </a:p>
+          <a:p>
+            <a:endParaRPr lang="en-US" sz="3000" dirty="0"/>
+          </a:p>
+          <a:p>
+            <a:endParaRPr lang="en-US" sz="3000" dirty="0"/>
+          </a:p>
+          <a:p>
+            <a:endParaRPr lang="en-US" sz="3000" dirty="0"/>
+          </a:p>
+          <a:p>
+            <a:endParaRPr lang="en-US" sz="3000" dirty="0"/>
+          </a:p>
+          <a:p>
+            <a:endParaRPr lang="en-US" sz="3000" dirty="0"/>
           </a:p>
           <a:p>
             <a:endParaRPr lang="en-US" sz="5400" dirty="0"/>
@@ -3510,7 +3559,7 @@
         </p:blipFill>
         <p:spPr>
           <a:xfrm>
-            <a:off x="18893946" y="26140868"/>
+            <a:off x="19003058" y="25452221"/>
             <a:ext cx="2857500" cy="2857500"/>
           </a:xfrm>
           <a:prstGeom prst="rect">
@@ -3532,13 +3581,18 @@
         </p:nvSpPr>
         <p:spPr>
           <a:xfrm>
-            <a:off x="11182905" y="25641195"/>
+            <a:off x="10972799" y="25423598"/>
             <a:ext cx="7711041" cy="3385542"/>
           </a:xfrm>
           <a:prstGeom prst="rect">
             <a:avLst/>
           </a:prstGeom>
           <a:noFill/>
+          <a:ln w="76200">
+            <a:solidFill>
+              <a:schemeClr val="tx1"/>
+            </a:solidFill>
+          </a:ln>
         </p:spPr>
         <p:txBody>
           <a:bodyPr wrap="square" rtlCol="0">
@@ -3566,53 +3620,6 @@
           </a:p>
         </p:txBody>
       </p:sp>
-      <p:pic>
-        <p:nvPicPr>
-          <p:cNvPr id="17" name="Picture 2" descr="Image result for google graph">
-            <a:extLst>
-              <a:ext uri="{FF2B5EF4-FFF2-40B4-BE49-F238E27FC236}">
-                <a16:creationId xmlns:a16="http://schemas.microsoft.com/office/drawing/2014/main" id="{4C42AC98-9D27-4067-986D-3BA5F31DC940}"/>
-              </a:ext>
-            </a:extLst>
-          </p:cNvPr>
-          <p:cNvPicPr>
-            <a:picLocks noChangeAspect="1" noChangeArrowheads="1"/>
-          </p:cNvPicPr>
-          <p:nvPr/>
-        </p:nvPicPr>
-        <p:blipFill>
-          <a:blip r:embed="rId2">
-            <a:extLst>
-              <a:ext uri="{28A0092B-C50C-407E-A947-70E740481C1C}">
-                <a14:useLocalDpi xmlns:a14="http://schemas.microsoft.com/office/drawing/2010/main" val="0"/>
-              </a:ext>
-            </a:extLst>
-          </a:blip>
-          <a:srcRect/>
-          <a:stretch>
-            <a:fillRect/>
-          </a:stretch>
-        </p:blipFill>
-        <p:spPr bwMode="auto">
-          <a:xfrm>
-            <a:off x="11182905" y="3750544"/>
-            <a:ext cx="8990493" cy="5958512"/>
-          </a:xfrm>
-          <a:prstGeom prst="rect">
-            <a:avLst/>
-          </a:prstGeom>
-          <a:noFill/>
-          <a:extLst>
-            <a:ext uri="{909E8E84-426E-40DD-AFC4-6F175D3DCCD1}">
-              <a14:hiddenFill xmlns:a14="http://schemas.microsoft.com/office/drawing/2010/main">
-                <a:solidFill>
-                  <a:srgbClr val="FFFFFF"/>
-                </a:solidFill>
-              </a14:hiddenFill>
-            </a:ext>
-          </a:extLst>
-        </p:spPr>
-      </p:pic>
       <p:sp>
         <p:nvSpPr>
           <p:cNvPr id="18" name="TextBox 17">
@@ -3627,8 +3634,8 @@
         </p:nvSpPr>
         <p:spPr>
           <a:xfrm>
-            <a:off x="11182905" y="10023150"/>
-            <a:ext cx="9791700" cy="1354217"/>
+            <a:off x="14331084" y="11687376"/>
+            <a:ext cx="3876340" cy="523220"/>
           </a:xfrm>
           <a:prstGeom prst="rect">
             <a:avLst/>
@@ -3649,9 +3656,6 @@
               <a:rPr lang="en-US" sz="2800" dirty="0"/>
               <a:t>Home Page</a:t>
             </a:r>
-          </a:p>
-          <a:p>
-            <a:endParaRPr lang="en-US" sz="5400" dirty="0"/>
           </a:p>
         </p:txBody>
       </p:sp>
@@ -3683,8 +3687,90 @@
         </p:blipFill>
         <p:spPr>
           <a:xfrm>
-            <a:off x="567548" y="10630140"/>
+            <a:off x="567548" y="10665779"/>
             <a:ext cx="10195148" cy="6441399"/>
+          </a:xfrm>
+          <a:prstGeom prst="rect">
+            <a:avLst/>
+          </a:prstGeom>
+          <a:ln w="76200">
+            <a:solidFill>
+              <a:schemeClr val="tx1"/>
+            </a:solidFill>
+          </a:ln>
+        </p:spPr>
+      </p:pic>
+      <p:pic>
+        <p:nvPicPr>
+          <p:cNvPr id="24" name="Picture 23">
+            <a:extLst>
+              <a:ext uri="{FF2B5EF4-FFF2-40B4-BE49-F238E27FC236}">
+                <a16:creationId xmlns:a16="http://schemas.microsoft.com/office/drawing/2014/main" id="{6C969C50-7099-4D72-9484-C5EC0680936C}"/>
+              </a:ext>
+            </a:extLst>
+          </p:cNvPr>
+          <p:cNvPicPr>
+            <a:picLocks noChangeAspect="1"/>
+          </p:cNvPicPr>
+          <p:nvPr/>
+        </p:nvPicPr>
+        <p:blipFill>
+          <a:blip r:embed="rId5">
+            <a:extLst>
+              <a:ext uri="{28A0092B-C50C-407E-A947-70E740481C1C}">
+                <a14:useLocalDpi xmlns:a14="http://schemas.microsoft.com/office/drawing/2010/main" val="0"/>
+              </a:ext>
+            </a:extLst>
+          </a:blip>
+          <a:stretch>
+            <a:fillRect/>
+          </a:stretch>
+        </p:blipFill>
+        <p:spPr>
+          <a:xfrm>
+            <a:off x="12253905" y="3557621"/>
+            <a:ext cx="8030696" cy="8173591"/>
+          </a:xfrm>
+          <a:prstGeom prst="rect">
+            <a:avLst/>
+          </a:prstGeom>
+          <a:ln w="76200">
+            <a:solidFill>
+              <a:schemeClr val="tx1"/>
+            </a:solidFill>
+          </a:ln>
+        </p:spPr>
+      </p:pic>
+      <p:pic>
+        <p:nvPicPr>
+          <p:cNvPr id="28" name="Picture 27">
+            <a:extLst>
+              <a:ext uri="{FF2B5EF4-FFF2-40B4-BE49-F238E27FC236}">
+                <a16:creationId xmlns:a16="http://schemas.microsoft.com/office/drawing/2014/main" id="{9803BBBE-2C09-4C77-BDE8-A4C259DAC693}"/>
+              </a:ext>
+            </a:extLst>
+          </p:cNvPr>
+          <p:cNvPicPr>
+            <a:picLocks noChangeAspect="1"/>
+          </p:cNvPicPr>
+          <p:nvPr/>
+        </p:nvPicPr>
+        <p:blipFill>
+          <a:blip r:embed="rId6">
+            <a:extLst>
+              <a:ext uri="{28A0092B-C50C-407E-A947-70E740481C1C}">
+                <a14:useLocalDpi xmlns:a14="http://schemas.microsoft.com/office/drawing/2010/main" val="0"/>
+              </a:ext>
+            </a:extLst>
+          </a:blip>
+          <a:stretch>
+            <a:fillRect/>
+          </a:stretch>
+        </p:blipFill>
+        <p:spPr>
+          <a:xfrm>
+            <a:off x="10972799" y="124258"/>
+            <a:ext cx="2333625" cy="1952625"/>
           </a:xfrm>
           <a:prstGeom prst="rect">
             <a:avLst/>

--- a/Poster Template.pptx
+++ b/Poster Template.pptx
@@ -3067,7 +3067,7 @@
             </a:r>
             <a:r>
               <a:rPr lang="en-US" sz="3000" dirty="0"/>
-              <a:t>A large part of reddit's success as a "social news aggregation, web content rating, and discussion website" should be accredited to the implementation of karma as a powerful reward system that the users can use to control what content can be viewed. Posts and inevitably users that gain large amounts of upvotes (a large karma score) are viewed with greater frequency and in higher regard respectively. Our team endeavors to build a heuristic system to grade the degree to which a new reddit post will be popular within its respective subreddit. The team intends to quantify what makes a reddit post successful and strictly adheres to ethical research practices with respect to social engineering.  </a:t>
+              <a:t>A large part of reddit's success as a "social news aggregation, web content rating, and discussion website" should be accredited to the implementation of karma as a powerful reward system that the users can use to control what content can be viewed. Posts and inevitably users that gain large number of upvotes (a large karma score) are viewed with greater frequency and in higher regard respectively. Our team endeavors to build a machine learning system to grade the degree to which a new reddit post will be popular within its respective subreddit. Our team intends to quantify what makes a reddit post successful and give the users the opportunity to test their content before making the posts public.</a:t>
             </a:r>
           </a:p>
         </p:txBody>
@@ -3165,7 +3165,7 @@
         </p:nvSpPr>
         <p:spPr>
           <a:xfrm>
-            <a:off x="3658897" y="17558505"/>
+            <a:off x="3670120" y="17292830"/>
             <a:ext cx="4012450" cy="523220"/>
           </a:xfrm>
           <a:prstGeom prst="rect">
@@ -3204,8 +3204,8 @@
         </p:nvSpPr>
         <p:spPr>
           <a:xfrm>
-            <a:off x="11170599" y="12413485"/>
-            <a:ext cx="10592910" cy="4678204"/>
+            <a:off x="11496668" y="12766480"/>
+            <a:ext cx="9881383" cy="4770537"/>
           </a:xfrm>
           <a:prstGeom prst="rect">
             <a:avLst/>
@@ -3229,32 +3229,8 @@
             </a:r>
             <a:r>
               <a:rPr lang="en-US" sz="3000" dirty="0"/>
-              <a:t>We used a variety of algorithms such as </a:t>
-            </a:r>
-          </a:p>
-          <a:p>
-            <a:endParaRPr lang="en-US" sz="3000" dirty="0"/>
-          </a:p>
-          <a:p>
-            <a:endParaRPr lang="en-US" sz="3000" dirty="0"/>
-          </a:p>
-          <a:p>
-            <a:endParaRPr lang="en-US" sz="3000" dirty="0"/>
-          </a:p>
-          <a:p>
-            <a:endParaRPr lang="en-US" sz="3000" dirty="0"/>
-          </a:p>
-          <a:p>
-            <a:endParaRPr lang="en-US" sz="3000" dirty="0"/>
-          </a:p>
-          <a:p>
-            <a:endParaRPr lang="en-US" sz="3000" dirty="0"/>
-          </a:p>
-          <a:p>
-            <a:endParaRPr lang="en-US" sz="3000" dirty="0"/>
-          </a:p>
-          <a:p>
-            <a:endParaRPr lang="en-US" sz="5400" dirty="0"/>
+              <a:t>Using a combination of naïve Bayes and logistic regression models in combination with a data scrapper, a user enters their potential posts content into our web app.  Our algorithm then analysis the highest and lowest rated posts over the last two years of reddit post history to determine trends.  The algorithm then runs the users input through a similar process comparing the input to the results of the initial reddit analysis.  The algorithm then returns the likely hood of the users input to succeed or not succeed based on our definition of accumulating more than 400 karma.</a:t>
+            </a:r>
           </a:p>
         </p:txBody>
       </p:sp>
@@ -3326,53 +3302,6 @@
           </a:p>
         </p:txBody>
       </p:sp>
-      <p:pic>
-        <p:nvPicPr>
-          <p:cNvPr id="12" name="Picture 2" descr="Image result for google graph">
-            <a:extLst>
-              <a:ext uri="{FF2B5EF4-FFF2-40B4-BE49-F238E27FC236}">
-                <a16:creationId xmlns:a16="http://schemas.microsoft.com/office/drawing/2014/main" id="{FAE489FA-735E-4A45-AE0A-B79BB4A8224D}"/>
-              </a:ext>
-            </a:extLst>
-          </p:cNvPr>
-          <p:cNvPicPr>
-            <a:picLocks noChangeAspect="1" noChangeArrowheads="1"/>
-          </p:cNvPicPr>
-          <p:nvPr/>
-        </p:nvPicPr>
-        <p:blipFill>
-          <a:blip r:embed="rId2">
-            <a:extLst>
-              <a:ext uri="{28A0092B-C50C-407E-A947-70E740481C1C}">
-                <a14:useLocalDpi xmlns:a14="http://schemas.microsoft.com/office/drawing/2010/main" val="0"/>
-              </a:ext>
-            </a:extLst>
-          </a:blip>
-          <a:srcRect/>
-          <a:stretch>
-            <a:fillRect/>
-          </a:stretch>
-        </p:blipFill>
-        <p:spPr bwMode="auto">
-          <a:xfrm>
-            <a:off x="10972799" y="18100540"/>
-            <a:ext cx="10592910" cy="5958512"/>
-          </a:xfrm>
-          <a:prstGeom prst="rect">
-            <a:avLst/>
-          </a:prstGeom>
-          <a:noFill/>
-          <a:extLst>
-            <a:ext uri="{909E8E84-426E-40DD-AFC4-6F175D3DCCD1}">
-              <a14:hiddenFill xmlns:a14="http://schemas.microsoft.com/office/drawing/2010/main">
-                <a:solidFill>
-                  <a:srgbClr val="FFFFFF"/>
-                </a:solidFill>
-              </a14:hiddenFill>
-            </a:ext>
-          </a:extLst>
-        </p:spPr>
-      </p:pic>
       <p:sp>
         <p:nvSpPr>
           <p:cNvPr id="13" name="TextBox 12">
@@ -3387,7 +3316,7 @@
         </p:nvSpPr>
         <p:spPr>
           <a:xfrm>
-            <a:off x="13432535" y="24323933"/>
+            <a:off x="13432534" y="24597844"/>
             <a:ext cx="5673437" cy="523220"/>
           </a:xfrm>
           <a:prstGeom prst="rect">
@@ -3475,7 +3404,7 @@
         <p:spPr>
           <a:xfrm>
             <a:off x="769272" y="21871707"/>
-            <a:ext cx="9791700" cy="5139869"/>
+            <a:ext cx="9791700" cy="4770537"/>
           </a:xfrm>
           <a:prstGeom prst="rect">
             <a:avLst/>
@@ -3495,39 +3424,12 @@
           <a:p>
             <a:r>
               <a:rPr lang="en-US" sz="3400" b="1" dirty="0"/>
-              <a:t>Conclusion: </a:t>
+              <a:t>Conclusion/Findings: </a:t>
             </a:r>
             <a:r>
               <a:rPr lang="en-US" sz="3000" dirty="0"/>
-              <a:t>We found that </a:t>
-            </a:r>
-          </a:p>
-          <a:p>
-            <a:endParaRPr lang="en-US" sz="3000" dirty="0"/>
-          </a:p>
-          <a:p>
-            <a:endParaRPr lang="en-US" sz="3000" dirty="0"/>
-          </a:p>
-          <a:p>
-            <a:endParaRPr lang="en-US" sz="3000" dirty="0"/>
-          </a:p>
-          <a:p>
-            <a:endParaRPr lang="en-US" sz="3000" dirty="0"/>
-          </a:p>
-          <a:p>
-            <a:endParaRPr lang="en-US" sz="3000" dirty="0"/>
-          </a:p>
-          <a:p>
-            <a:endParaRPr lang="en-US" sz="3000" dirty="0"/>
-          </a:p>
-          <a:p>
-            <a:endParaRPr lang="en-US" sz="3000" dirty="0"/>
-          </a:p>
-          <a:p>
-            <a:endParaRPr lang="en-US" sz="3000" dirty="0"/>
-          </a:p>
-          <a:p>
-            <a:endParaRPr lang="en-US" sz="5400" dirty="0"/>
+              <a:t>Through this assignment, our team had the opportunity to delve into a realistic development setting. Using this assignment as an opportunity to learn machine learning, we faced many real world challenges such as learning new technologies, connecting technologies, and technical debt. While we were able to learn a lot of the impressive hands-on capabilities of machine learning and natural language processing, we were also given the opportunity to experience and prepare for what life as a developer outside of college might truly be like.</a:t>
+            </a:r>
           </a:p>
         </p:txBody>
       </p:sp>
@@ -3546,7 +3448,7 @@
           <p:nvPr/>
         </p:nvPicPr>
         <p:blipFill>
-          <a:blip r:embed="rId3">
+          <a:blip r:embed="rId2">
             <a:extLst>
               <a:ext uri="{28A0092B-C50C-407E-A947-70E740481C1C}">
                 <a14:useLocalDpi xmlns:a14="http://schemas.microsoft.com/office/drawing/2010/main" val="0"/>
@@ -3559,7 +3461,7 @@
         </p:blipFill>
         <p:spPr>
           <a:xfrm>
-            <a:off x="19003058" y="25452221"/>
+            <a:off x="18855851" y="25687619"/>
             <a:ext cx="2857500" cy="2857500"/>
           </a:xfrm>
           <a:prstGeom prst="rect">
@@ -3606,7 +3508,7 @@
             </a:r>
             <a:r>
               <a:rPr lang="en-US" sz="3000" dirty="0"/>
-              <a:t>We would like to expand our machine learning algorithms to include Images to include visual subreddits like r/Pics</a:t>
+              <a:t>We would like to expand our machine learning algorithms to include Images from visual subreddits such as r/Pics</a:t>
             </a:r>
           </a:p>
           <a:p>
@@ -3634,7 +3536,7 @@
         </p:nvSpPr>
         <p:spPr>
           <a:xfrm>
-            <a:off x="14331084" y="11687376"/>
+            <a:off x="14499189" y="12051069"/>
             <a:ext cx="3876340" cy="523220"/>
           </a:xfrm>
           <a:prstGeom prst="rect">
@@ -3674,7 +3576,7 @@
           <p:nvPr/>
         </p:nvPicPr>
         <p:blipFill>
-          <a:blip r:embed="rId4">
+          <a:blip r:embed="rId3">
             <a:extLst>
               <a:ext uri="{28A0092B-C50C-407E-A947-70E740481C1C}">
                 <a14:useLocalDpi xmlns:a14="http://schemas.microsoft.com/office/drawing/2010/main" val="0"/>
@@ -3715,7 +3617,7 @@
           <p:nvPr/>
         </p:nvPicPr>
         <p:blipFill>
-          <a:blip r:embed="rId5">
+          <a:blip r:embed="rId4">
             <a:extLst>
               <a:ext uri="{28A0092B-C50C-407E-A947-70E740481C1C}">
                 <a14:useLocalDpi xmlns:a14="http://schemas.microsoft.com/office/drawing/2010/main" val="0"/>
@@ -3728,7 +3630,7 @@
         </p:blipFill>
         <p:spPr>
           <a:xfrm>
-            <a:off x="12253905" y="3557621"/>
+            <a:off x="12422011" y="3743800"/>
             <a:ext cx="8030696" cy="8173591"/>
           </a:xfrm>
           <a:prstGeom prst="rect">
@@ -3756,7 +3658,7 @@
           <p:nvPr/>
         </p:nvPicPr>
         <p:blipFill>
-          <a:blip r:embed="rId6">
+          <a:blip r:embed="rId5">
             <a:extLst>
               <a:ext uri="{28A0092B-C50C-407E-A947-70E740481C1C}">
                 <a14:useLocalDpi xmlns:a14="http://schemas.microsoft.com/office/drawing/2010/main" val="0"/>
@@ -3775,6 +3677,47 @@
           <a:prstGeom prst="rect">
             <a:avLst/>
           </a:prstGeom>
+        </p:spPr>
+      </p:pic>
+      <p:pic>
+        <p:nvPicPr>
+          <p:cNvPr id="30" name="Picture 29">
+            <a:extLst>
+              <a:ext uri="{FF2B5EF4-FFF2-40B4-BE49-F238E27FC236}">
+                <a16:creationId xmlns:a16="http://schemas.microsoft.com/office/drawing/2014/main" id="{B35BD5C4-E9F1-4FB5-870F-A2C5024FA162}"/>
+              </a:ext>
+            </a:extLst>
+          </p:cNvPr>
+          <p:cNvPicPr>
+            <a:picLocks noChangeAspect="1"/>
+          </p:cNvPicPr>
+          <p:nvPr/>
+        </p:nvPicPr>
+        <p:blipFill>
+          <a:blip r:embed="rId6">
+            <a:extLst>
+              <a:ext uri="{28A0092B-C50C-407E-A947-70E740481C1C}">
+                <a14:useLocalDpi xmlns:a14="http://schemas.microsoft.com/office/drawing/2010/main" val="0"/>
+              </a:ext>
+            </a:extLst>
+          </a:blip>
+          <a:stretch>
+            <a:fillRect/>
+          </a:stretch>
+        </p:blipFill>
+        <p:spPr>
+          <a:xfrm>
+            <a:off x="11965411" y="17990818"/>
+            <a:ext cx="8607679" cy="6455759"/>
+          </a:xfrm>
+          <a:prstGeom prst="rect">
+            <a:avLst/>
+          </a:prstGeom>
+          <a:ln w="76200">
+            <a:solidFill>
+              <a:schemeClr val="tx1"/>
+            </a:solidFill>
+          </a:ln>
         </p:spPr>
       </p:pic>
     </p:spTree>

--- a/Poster Template.pptx
+++ b/Poster Template.pptx
@@ -243,7 +243,7 @@
           <a:p>
             <a:fld id="{696E3F36-4BF4-4C84-AAF6-3BB53BA29208}" type="datetimeFigureOut">
               <a:rPr lang="en-US" smtClean="0"/>
-              <a:t>11/25/2019</a:t>
+              <a:t>11/26/2019</a:t>
             </a:fld>
             <a:endParaRPr lang="en-US"/>
           </a:p>
@@ -413,7 +413,7 @@
           <a:p>
             <a:fld id="{696E3F36-4BF4-4C84-AAF6-3BB53BA29208}" type="datetimeFigureOut">
               <a:rPr lang="en-US" smtClean="0"/>
-              <a:t>11/25/2019</a:t>
+              <a:t>11/26/2019</a:t>
             </a:fld>
             <a:endParaRPr lang="en-US"/>
           </a:p>
@@ -593,7 +593,7 @@
           <a:p>
             <a:fld id="{696E3F36-4BF4-4C84-AAF6-3BB53BA29208}" type="datetimeFigureOut">
               <a:rPr lang="en-US" smtClean="0"/>
-              <a:t>11/25/2019</a:t>
+              <a:t>11/26/2019</a:t>
             </a:fld>
             <a:endParaRPr lang="en-US"/>
           </a:p>
@@ -763,7 +763,7 @@
           <a:p>
             <a:fld id="{696E3F36-4BF4-4C84-AAF6-3BB53BA29208}" type="datetimeFigureOut">
               <a:rPr lang="en-US" smtClean="0"/>
-              <a:t>11/25/2019</a:t>
+              <a:t>11/26/2019</a:t>
             </a:fld>
             <a:endParaRPr lang="en-US"/>
           </a:p>
@@ -1007,7 +1007,7 @@
           <a:p>
             <a:fld id="{696E3F36-4BF4-4C84-AAF6-3BB53BA29208}" type="datetimeFigureOut">
               <a:rPr lang="en-US" smtClean="0"/>
-              <a:t>11/25/2019</a:t>
+              <a:t>11/26/2019</a:t>
             </a:fld>
             <a:endParaRPr lang="en-US"/>
           </a:p>
@@ -1239,7 +1239,7 @@
           <a:p>
             <a:fld id="{696E3F36-4BF4-4C84-AAF6-3BB53BA29208}" type="datetimeFigureOut">
               <a:rPr lang="en-US" smtClean="0"/>
-              <a:t>11/25/2019</a:t>
+              <a:t>11/26/2019</a:t>
             </a:fld>
             <a:endParaRPr lang="en-US"/>
           </a:p>
@@ -1606,7 +1606,7 @@
           <a:p>
             <a:fld id="{696E3F36-4BF4-4C84-AAF6-3BB53BA29208}" type="datetimeFigureOut">
               <a:rPr lang="en-US" smtClean="0"/>
-              <a:t>11/25/2019</a:t>
+              <a:t>11/26/2019</a:t>
             </a:fld>
             <a:endParaRPr lang="en-US"/>
           </a:p>
@@ -1724,7 +1724,7 @@
           <a:p>
             <a:fld id="{696E3F36-4BF4-4C84-AAF6-3BB53BA29208}" type="datetimeFigureOut">
               <a:rPr lang="en-US" smtClean="0"/>
-              <a:t>11/25/2019</a:t>
+              <a:t>11/26/2019</a:t>
             </a:fld>
             <a:endParaRPr lang="en-US"/>
           </a:p>
@@ -1819,7 +1819,7 @@
           <a:p>
             <a:fld id="{696E3F36-4BF4-4C84-AAF6-3BB53BA29208}" type="datetimeFigureOut">
               <a:rPr lang="en-US" smtClean="0"/>
-              <a:t>11/25/2019</a:t>
+              <a:t>11/26/2019</a:t>
             </a:fld>
             <a:endParaRPr lang="en-US"/>
           </a:p>
@@ -2096,7 +2096,7 @@
           <a:p>
             <a:fld id="{696E3F36-4BF4-4C84-AAF6-3BB53BA29208}" type="datetimeFigureOut">
               <a:rPr lang="en-US" smtClean="0"/>
-              <a:t>11/25/2019</a:t>
+              <a:t>11/26/2019</a:t>
             </a:fld>
             <a:endParaRPr lang="en-US"/>
           </a:p>
@@ -2353,7 +2353,7 @@
           <a:p>
             <a:fld id="{696E3F36-4BF4-4C84-AAF6-3BB53BA29208}" type="datetimeFigureOut">
               <a:rPr lang="en-US" smtClean="0"/>
-              <a:t>11/25/2019</a:t>
+              <a:t>11/26/2019</a:t>
             </a:fld>
             <a:endParaRPr lang="en-US"/>
           </a:p>
@@ -2566,7 +2566,7 @@
           <a:p>
             <a:fld id="{696E3F36-4BF4-4C84-AAF6-3BB53BA29208}" type="datetimeFigureOut">
               <a:rPr lang="en-US" smtClean="0"/>
-              <a:t>11/25/2019</a:t>
+              <a:t>11/26/2019</a:t>
             </a:fld>
             <a:endParaRPr lang="en-US"/>
           </a:p>
@@ -2985,7 +2985,7 @@
         </p:nvSpPr>
         <p:spPr>
           <a:xfrm>
-            <a:off x="2734230" y="647280"/>
+            <a:off x="2734230" y="523710"/>
             <a:ext cx="16897350" cy="2893100"/>
           </a:xfrm>
           <a:prstGeom prst="rect">
@@ -3004,8 +3004,22 @@
               <a:t>                            </a:t>
             </a:r>
             <a:r>
-              <a:rPr lang="en-US" sz="8800" b="1" dirty="0"/>
-              <a:t>KW</a:t>
+              <a:rPr lang="en-US" sz="8800" b="1" dirty="0">
+                <a:solidFill>
+                  <a:srgbClr val="FF4301"/>
+                </a:solidFill>
+                <a:latin typeface="Castellar" panose="020A0402060406010301" pitchFamily="18" charset="0"/>
+              </a:rPr>
+              <a:t>K</a:t>
+            </a:r>
+            <a:r>
+              <a:rPr lang="en-US" sz="8800" b="1" dirty="0">
+                <a:solidFill>
+                  <a:srgbClr val="9494FF"/>
+                </a:solidFill>
+                <a:latin typeface="Castellar" panose="020A0402060406010301" pitchFamily="18" charset="0"/>
+              </a:rPr>
+              <a:t>W</a:t>
             </a:r>
           </a:p>
           <a:p>
@@ -3067,7 +3081,7 @@
             </a:r>
             <a:r>
               <a:rPr lang="en-US" sz="3000" dirty="0"/>
-              <a:t>A large part of reddit's success as a "social news aggregation, web content rating, and discussion website" should be accredited to the implementation of karma as a powerful reward system that the users can use to control what content can be viewed. Posts and inevitably users that gain large number of upvotes (a large karma score) are viewed with greater frequency and in higher regard respectively. Our team endeavors to build a machine learning system to grade the degree to which a new reddit post will be popular within its respective subreddit. Our team intends to quantify what makes a reddit post successful and give the users the opportunity to test their content before making the posts public.</a:t>
+              <a:t>A large part of Reddit's success as a "social news aggregation, web content rating, and discussion website" should be accredited to the implementation of karma as a powerful reward system that users can use to control what content is popular. Posts and inevitably users that gain large number of upvotes (a large karma score) are viewed with greater frequency and in higher regard respectively. Our team endeavors to build a machine learning system to grade the degree to which a new reddit post will be popular within a respective subreddit. Our team intends to quantify what makes a Reddit post successful and then give the users the opportunity to test their content before making their post public.</a:t>
             </a:r>
           </a:p>
         </p:txBody>
@@ -3086,7 +3100,7 @@
         </p:nvSpPr>
         <p:spPr>
           <a:xfrm>
-            <a:off x="1181099" y="18533053"/>
+            <a:off x="1126863" y="18313025"/>
             <a:ext cx="4285140" cy="3754874"/>
           </a:xfrm>
           <a:prstGeom prst="rect">
@@ -3229,7 +3243,7 @@
             </a:r>
             <a:r>
               <a:rPr lang="en-US" sz="3000" dirty="0"/>
-              <a:t>Using a combination of naïve Bayes and logistic regression models in combination with a data scrapper, a user enters their potential posts content into our web app.  Our algorithm then analysis the highest and lowest rated posts over the last two years of reddit post history to determine trends.  The algorithm then runs the users input through a similar process comparing the input to the results of the initial reddit analysis.  The algorithm then returns the likely hood of the users input to succeed or not succeed based on our definition of accumulating more than 400 karma.</a:t>
+              <a:t>Using a combination of naïve Bayes and logistic regression models, in combination with a data scrapper, a user enters their potential post’s content into our web app. Our algorithm then analyzes the highest and lowest rated posts over the last two years of Reddit post history to determine trends. The algorithm runs the user’s input through a process comparing the input to the results of the initial Reddit analysis. It then returns the likelihood of the user’s input to succeed or not succeed based on our definition of accumulating more than a designated karma threshold.</a:t>
             </a:r>
           </a:p>
         </p:txBody>
@@ -3248,7 +3262,7 @@
         </p:nvSpPr>
         <p:spPr>
           <a:xfrm>
-            <a:off x="5676345" y="18578498"/>
+            <a:off x="5941818" y="18313025"/>
             <a:ext cx="4495247" cy="3293209"/>
           </a:xfrm>
           <a:prstGeom prst="rect">
@@ -3376,7 +3390,7 @@
           <a:p>
             <a:r>
               <a:rPr lang="en-US" sz="2800" dirty="0"/>
-              <a:t>We would like to acknowledge the follow people for their help: Dr. Benjamin Mitchell, Jason </a:t>
+              <a:t>We would like to acknowledge the follow people/groups for their help: Dr. Benjamin Mitchell, Jason </a:t>
             </a:r>
             <a:r>
               <a:rPr lang="en-US" sz="2800" dirty="0" err="1"/>
@@ -3384,7 +3398,7 @@
             </a:r>
             <a:r>
               <a:rPr lang="en-US" sz="2800" dirty="0"/>
-              <a:t>, Villanova Computer Science Department</a:t>
+              <a:t>, the Villanova Computer Science Department</a:t>
             </a:r>
           </a:p>
         </p:txBody>
@@ -3428,7 +3442,7 @@
             </a:r>
             <a:r>
               <a:rPr lang="en-US" sz="3000" dirty="0"/>
-              <a:t>Through this assignment, our team had the opportunity to delve into a realistic development setting. Using this assignment as an opportunity to learn machine learning, we faced many real world challenges such as learning new technologies, connecting technologies, and technical debt. While we were able to learn a lot of the impressive hands-on capabilities of machine learning and natural language processing, we were also given the opportunity to experience and prepare for what life as a developer outside of college might truly be like.</a:t>
+              <a:t>Through this assignment, our team had the opportunity to delve into a realistic development setting. Using this assignment as an opportunity to learn machine learning, we faced many real world challenges such as learning new technologies, connecting technologies, and falling into technical debt. While we were able to learn a lot of the impressive hands-on capabilities of machine learning and natural language processing, we were also given the opportunity to experience and prepare for what life as a developer outside of college might truly be like.</a:t>
             </a:r>
           </a:p>
         </p:txBody>
@@ -3645,42 +3659,6 @@
       </p:pic>
       <p:pic>
         <p:nvPicPr>
-          <p:cNvPr id="28" name="Picture 27">
-            <a:extLst>
-              <a:ext uri="{FF2B5EF4-FFF2-40B4-BE49-F238E27FC236}">
-                <a16:creationId xmlns:a16="http://schemas.microsoft.com/office/drawing/2014/main" id="{9803BBBE-2C09-4C77-BDE8-A4C259DAC693}"/>
-              </a:ext>
-            </a:extLst>
-          </p:cNvPr>
-          <p:cNvPicPr>
-            <a:picLocks noChangeAspect="1"/>
-          </p:cNvPicPr>
-          <p:nvPr/>
-        </p:nvPicPr>
-        <p:blipFill>
-          <a:blip r:embed="rId5">
-            <a:extLst>
-              <a:ext uri="{28A0092B-C50C-407E-A947-70E740481C1C}">
-                <a14:useLocalDpi xmlns:a14="http://schemas.microsoft.com/office/drawing/2010/main" val="0"/>
-              </a:ext>
-            </a:extLst>
-          </a:blip>
-          <a:stretch>
-            <a:fillRect/>
-          </a:stretch>
-        </p:blipFill>
-        <p:spPr>
-          <a:xfrm>
-            <a:off x="10972799" y="124258"/>
-            <a:ext cx="2333625" cy="1952625"/>
-          </a:xfrm>
-          <a:prstGeom prst="rect">
-            <a:avLst/>
-          </a:prstGeom>
-        </p:spPr>
-      </p:pic>
-      <p:pic>
-        <p:nvPicPr>
           <p:cNvPr id="30" name="Picture 29">
             <a:extLst>
               <a:ext uri="{FF2B5EF4-FFF2-40B4-BE49-F238E27FC236}">
@@ -3694,7 +3672,7 @@
           <p:nvPr/>
         </p:nvPicPr>
         <p:blipFill>
-          <a:blip r:embed="rId6">
+          <a:blip r:embed="rId5">
             <a:extLst>
               <a:ext uri="{28A0092B-C50C-407E-A947-70E740481C1C}">
                 <a14:useLocalDpi xmlns:a14="http://schemas.microsoft.com/office/drawing/2010/main" val="0"/>
@@ -3718,6 +3696,42 @@
               <a:schemeClr val="tx1"/>
             </a:solidFill>
           </a:ln>
+        </p:spPr>
+      </p:pic>
+      <p:pic>
+        <p:nvPicPr>
+          <p:cNvPr id="3" name="Picture 2">
+            <a:extLst>
+              <a:ext uri="{FF2B5EF4-FFF2-40B4-BE49-F238E27FC236}">
+                <a16:creationId xmlns:a16="http://schemas.microsoft.com/office/drawing/2014/main" id="{7CFD14A2-593B-489A-9359-513A07423340}"/>
+              </a:ext>
+            </a:extLst>
+          </p:cNvPr>
+          <p:cNvPicPr>
+            <a:picLocks noChangeAspect="1"/>
+          </p:cNvPicPr>
+          <p:nvPr/>
+        </p:nvPicPr>
+        <p:blipFill>
+          <a:blip r:embed="rId6">
+            <a:extLst>
+              <a:ext uri="{28A0092B-C50C-407E-A947-70E740481C1C}">
+                <a14:useLocalDpi xmlns:a14="http://schemas.microsoft.com/office/drawing/2010/main" val="0"/>
+              </a:ext>
+            </a:extLst>
+          </a:blip>
+          <a:stretch>
+            <a:fillRect/>
+          </a:stretch>
+        </p:blipFill>
+        <p:spPr>
+          <a:xfrm>
+            <a:off x="11344189" y="-415743"/>
+            <a:ext cx="2518455" cy="2893101"/>
+          </a:xfrm>
+          <a:prstGeom prst="rect">
+            <a:avLst/>
+          </a:prstGeom>
         </p:spPr>
       </p:pic>
     </p:spTree>

--- a/Poster Template.pptx
+++ b/Poster Template.pptx
@@ -3179,7 +3179,7 @@
         </p:nvSpPr>
         <p:spPr>
           <a:xfrm>
-            <a:off x="3670120" y="17292830"/>
+            <a:off x="3658897" y="17296896"/>
             <a:ext cx="4012450" cy="523220"/>
           </a:xfrm>
           <a:prstGeom prst="rect">
@@ -3193,6 +3193,7 @@
           </a:bodyPr>
           <a:lstStyle/>
           <a:p>
+            <a:pPr algn="ctr"/>
             <a:r>
               <a:rPr lang="en-US" sz="2800" b="1" dirty="0"/>
               <a:t>Figure 2: </a:t>
@@ -3330,8 +3331,8 @@
         </p:nvSpPr>
         <p:spPr>
           <a:xfrm>
-            <a:off x="13432534" y="24597844"/>
-            <a:ext cx="5673437" cy="523220"/>
+            <a:off x="13428562" y="24604111"/>
+            <a:ext cx="5681376" cy="523220"/>
           </a:xfrm>
           <a:prstGeom prst="rect">
             <a:avLst/>
@@ -3344,6 +3345,7 @@
           </a:bodyPr>
           <a:lstStyle/>
           <a:p>
+            <a:pPr algn="ctr"/>
             <a:r>
               <a:rPr lang="en-US" sz="2800" b="1" dirty="0"/>
               <a:t>Figure 3: </a:t>
@@ -3550,8 +3552,8 @@
         </p:nvSpPr>
         <p:spPr>
           <a:xfrm>
-            <a:off x="14499189" y="12051069"/>
-            <a:ext cx="3876340" cy="523220"/>
+            <a:off x="14778927" y="12091993"/>
+            <a:ext cx="3316863" cy="523220"/>
           </a:xfrm>
           <a:prstGeom prst="rect">
             <a:avLst/>
@@ -3564,6 +3566,7 @@
           </a:bodyPr>
           <a:lstStyle/>
           <a:p>
+            <a:pPr algn="ctr"/>
             <a:r>
               <a:rPr lang="en-US" sz="2800" b="1" dirty="0"/>
               <a:t>Figure 1: </a:t>

--- a/Poster Template.pptx
+++ b/Poster Template.pptx
@@ -2985,8 +2985,8 @@
         </p:nvSpPr>
         <p:spPr>
           <a:xfrm>
-            <a:off x="2734230" y="523710"/>
-            <a:ext cx="16897350" cy="2893100"/>
+            <a:off x="2734230" y="2141454"/>
+            <a:ext cx="16897350" cy="1384995"/>
           </a:xfrm>
           <a:prstGeom prst="rect">
             <a:avLst/>
@@ -2999,35 +2999,7 @@
           </a:bodyPr>
           <a:lstStyle/>
           <a:p>
-            <a:r>
-              <a:rPr lang="en-US" sz="8000" b="1" dirty="0"/>
-              <a:t>                            </a:t>
-            </a:r>
-            <a:r>
-              <a:rPr lang="en-US" sz="8800" b="1" dirty="0">
-                <a:solidFill>
-                  <a:srgbClr val="FF4301"/>
-                </a:solidFill>
-                <a:latin typeface="Castellar" panose="020A0402060406010301" pitchFamily="18" charset="0"/>
-              </a:rPr>
-              <a:t>K</a:t>
-            </a:r>
-            <a:r>
-              <a:rPr lang="en-US" sz="8800" b="1" dirty="0">
-                <a:solidFill>
-                  <a:srgbClr val="9494FF"/>
-                </a:solidFill>
-                <a:latin typeface="Castellar" panose="020A0402060406010301" pitchFamily="18" charset="0"/>
-              </a:rPr>
-              <a:t>W</a:t>
-            </a:r>
-          </a:p>
-          <a:p>
             <a:pPr algn="ctr"/>
-            <a:r>
-              <a:rPr lang="en-US" sz="5400" b="1" dirty="0"/>
-              <a:t> </a:t>
-            </a:r>
             <a:r>
               <a:rPr lang="en-US" sz="4400" b="1" dirty="0"/>
               <a:t>Approaching Text Based Subreddits Through Machine Learning</a:t>
@@ -3057,7 +3029,7 @@
         <p:spPr>
           <a:xfrm>
             <a:off x="970996" y="3797310"/>
-            <a:ext cx="9791700" cy="6155531"/>
+            <a:ext cx="9791700" cy="6401753"/>
           </a:xfrm>
           <a:prstGeom prst="rect">
             <a:avLst/>
@@ -3076,12 +3048,12 @@
           <a:lstStyle/>
           <a:p>
             <a:r>
-              <a:rPr lang="en-US" sz="3400" b="1" dirty="0"/>
+              <a:rPr lang="en-US" sz="3600" b="1" dirty="0"/>
               <a:t>Abstract: </a:t>
             </a:r>
             <a:r>
-              <a:rPr lang="en-US" sz="3000" dirty="0"/>
-              <a:t>A large part of Reddit's success as a "social news aggregation, web content rating, and discussion website" should be accredited to the implementation of karma as a powerful reward system that users can use to control what content is popular. Posts and inevitably users that gain large number of upvotes (a large karma score) are viewed with greater frequency and in higher regard respectively. Our team endeavors to build a machine learning system to grade the degree to which a new reddit post will be popular within a respective subreddit. Our team intends to quantify what makes a Reddit post successful and then give the users the opportunity to test their content before making their post public.</a:t>
+              <a:rPr lang="en-US" sz="3400" dirty="0"/>
+              <a:t>A large part of Reddit's success as a "social news aggregation, web content rating, and discussion website" should be accredited to the implementation of karma as a powerful reward system that users can use to control what content is seen. Posts and inevitably users that gain a large number of upvotes (a high karma score) are viewed with greater frequency and in higher regard respectively. Our team sought to build a machine learning system that attempts to classify whether a new Reddit post will be popular in a respective subreddit. With this, users can get a feel as to whether or not they should make their posts public.</a:t>
             </a:r>
           </a:p>
         </p:txBody>
@@ -3100,8 +3072,8 @@
         </p:nvSpPr>
         <p:spPr>
           <a:xfrm>
-            <a:off x="1126863" y="18313025"/>
-            <a:ext cx="4285140" cy="3754874"/>
+            <a:off x="1225719" y="18373095"/>
+            <a:ext cx="4285140" cy="2677656"/>
           </a:xfrm>
           <a:prstGeom prst="rect">
             <a:avLst/>
@@ -3115,10 +3087,10 @@
           <a:lstStyle/>
           <a:p>
             <a:r>
-              <a:rPr lang="en-US" sz="3400" b="1" dirty="0"/>
+              <a:rPr lang="en-US" sz="3500" b="1" dirty="0"/>
               <a:t>Technologies:</a:t>
             </a:r>
-            <a:endParaRPr lang="en-US" sz="3400" dirty="0"/>
+            <a:endParaRPr lang="en-US" sz="3500" dirty="0"/>
           </a:p>
           <a:p>
             <a:pPr marL="457200" indent="-457200">
@@ -3126,7 +3098,7 @@
               <a:buChar char="•"/>
             </a:pPr>
             <a:r>
-              <a:rPr lang="en-US" sz="3000" dirty="0"/>
+              <a:rPr lang="en-US" sz="3300" dirty="0"/>
               <a:t>Python</a:t>
             </a:r>
           </a:p>
@@ -3136,7 +3108,7 @@
               <a:buChar char="•"/>
             </a:pPr>
             <a:r>
-              <a:rPr lang="en-US" sz="3000" dirty="0"/>
+              <a:rPr lang="en-US" sz="3300" dirty="0"/>
               <a:t>Bootstrap/HTML/CSS</a:t>
             </a:r>
           </a:p>
@@ -3146,9 +3118,10 @@
               <a:buChar char="•"/>
             </a:pPr>
             <a:r>
-              <a:rPr lang="en-US" sz="3000" dirty="0"/>
+              <a:rPr lang="en-US" sz="3300" dirty="0"/>
               <a:t>Flask</a:t>
             </a:r>
+            <a:endParaRPr lang="en-US" sz="5400" dirty="0"/>
           </a:p>
           <a:p>
             <a:pPr marL="457200" indent="-457200">
@@ -3156,12 +3129,17 @@
               <a:buChar char="•"/>
             </a:pPr>
             <a:r>
-              <a:rPr lang="en-US" sz="3000" dirty="0"/>
-              <a:t>Natural Language Processing</a:t>
-            </a:r>
-          </a:p>
-          <a:p>
-            <a:endParaRPr lang="en-US" sz="5400" dirty="0"/>
+              <a:rPr lang="en-US" sz="3300" dirty="0"/>
+              <a:t>ML/</a:t>
+            </a:r>
+            <a:r>
+              <a:rPr lang="en-US" sz="3300" dirty="0" err="1"/>
+              <a:t>Scikit</a:t>
+            </a:r>
+            <a:r>
+              <a:rPr lang="en-US" sz="3300" dirty="0"/>
+              <a:t>-learn</a:t>
+            </a:r>
           </a:p>
         </p:txBody>
       </p:sp>
@@ -3220,7 +3198,7 @@
         <p:spPr>
           <a:xfrm>
             <a:off x="11496668" y="12766480"/>
-            <a:ext cx="9881383" cy="4770537"/>
+            <a:ext cx="9881383" cy="4939814"/>
           </a:xfrm>
           <a:prstGeom prst="rect">
             <a:avLst/>
@@ -3239,12 +3217,12 @@
           <a:lstStyle/>
           <a:p>
             <a:r>
-              <a:rPr lang="en-US" sz="3400" b="1" dirty="0"/>
+              <a:rPr lang="en-US" sz="3600" b="1" dirty="0"/>
               <a:t>Approach: </a:t>
             </a:r>
             <a:r>
-              <a:rPr lang="en-US" sz="3000" dirty="0"/>
-              <a:t>Using a combination of naïve Bayes and logistic regression models, in combination with a data scrapper, a user enters their potential post’s content into our web app. Our algorithm then analyzes the highest and lowest rated posts over the last two years of Reddit post history to determine trends. The algorithm runs the user’s input through a process comparing the input to the results of the initial Reddit analysis. It then returns the likelihood of the user’s input to succeed or not succeed based on our definition of accumulating more than a designated karma threshold.</a:t>
+              <a:rPr lang="en-US" sz="3400" dirty="0"/>
+              <a:t>Using a combination of naïve Bayes and logistic regression models, in combination with lots of data, our algorithm analyzes the highest and lowest rated posts over the last two years of Reddit post history. The algorithm then runs the user’s input through our models and predicts whether or not it is likely to be successful on a subreddit. “Success” is determined by a karma threshold defined by us per subreddit.</a:t>
             </a:r>
           </a:p>
         </p:txBody>
@@ -3263,8 +3241,8 @@
         </p:nvSpPr>
         <p:spPr>
           <a:xfrm>
-            <a:off x="5941818" y="18313025"/>
-            <a:ext cx="4495247" cy="3293209"/>
+            <a:off x="6164244" y="18397809"/>
+            <a:ext cx="4495247" cy="3477875"/>
           </a:xfrm>
           <a:prstGeom prst="rect">
             <a:avLst/>
@@ -3278,7 +3256,7 @@
           <a:lstStyle/>
           <a:p>
             <a:r>
-              <a:rPr lang="en-US" sz="3400" b="1" dirty="0"/>
+              <a:rPr lang="en-US" sz="3500" b="1" dirty="0"/>
               <a:t>Features:</a:t>
             </a:r>
           </a:p>
@@ -3288,8 +3266,8 @@
               <a:buChar char="•"/>
             </a:pPr>
             <a:r>
-              <a:rPr lang="en-US" sz="3000" dirty="0"/>
-              <a:t>Title Analysis</a:t>
+              <a:rPr lang="en-US" sz="3300" dirty="0"/>
+              <a:t>Title analysis</a:t>
             </a:r>
           </a:p>
           <a:p>
@@ -3298,7 +3276,7 @@
               <a:buChar char="•"/>
             </a:pPr>
             <a:r>
-              <a:rPr lang="en-US" sz="3000" dirty="0"/>
+              <a:rPr lang="en-US" sz="3300" dirty="0"/>
               <a:t>Access to complete Reddit archive</a:t>
             </a:r>
           </a:p>
@@ -3308,8 +3286,8 @@
               <a:buChar char="•"/>
             </a:pPr>
             <a:r>
-              <a:rPr lang="en-US" sz="3000" dirty="0"/>
-              <a:t>Uses Real Time Data</a:t>
+              <a:rPr lang="en-US" sz="3300" dirty="0"/>
+              <a:t>Fast results</a:t>
             </a:r>
           </a:p>
           <a:p>
@@ -3352,7 +3330,15 @@
             </a:r>
             <a:r>
               <a:rPr lang="en-US" sz="2800" dirty="0"/>
-              <a:t>Graph Representing Results</a:t>
+              <a:t>r/</a:t>
+            </a:r>
+            <a:r>
+              <a:rPr lang="en-US" sz="2800" dirty="0" err="1"/>
+              <a:t>AskReddit</a:t>
+            </a:r>
+            <a:r>
+              <a:rPr lang="en-US" sz="2800" dirty="0"/>
+              <a:t> Post Accuracy</a:t>
             </a:r>
           </a:p>
         </p:txBody>
@@ -3392,7 +3378,7 @@
           <a:p>
             <a:r>
               <a:rPr lang="en-US" sz="2800" dirty="0"/>
-              <a:t>We would like to acknowledge the follow people/groups for their help: Dr. Benjamin Mitchell, Jason </a:t>
+              <a:t>We would like to acknowledge the following people/groups for their help: Dr. Benjamin Mitchell, Jason </a:t>
             </a:r>
             <a:r>
               <a:rPr lang="en-US" sz="2800" dirty="0" err="1"/>
@@ -3400,7 +3386,7 @@
             </a:r>
             <a:r>
               <a:rPr lang="en-US" sz="2800" dirty="0"/>
-              <a:t>, the Villanova Computer Science Department</a:t>
+              <a:t>, the Villanova Computer Science Department.</a:t>
             </a:r>
           </a:p>
         </p:txBody>
@@ -3419,8 +3405,8 @@
         </p:nvSpPr>
         <p:spPr>
           <a:xfrm>
-            <a:off x="769272" y="21871707"/>
-            <a:ext cx="9791700" cy="4770537"/>
+            <a:off x="769272" y="21770107"/>
+            <a:ext cx="9791700" cy="5324535"/>
           </a:xfrm>
           <a:prstGeom prst="rect">
             <a:avLst/>
@@ -3439,12 +3425,12 @@
           <a:lstStyle/>
           <a:p>
             <a:r>
-              <a:rPr lang="en-US" sz="3400" b="1" dirty="0"/>
+              <a:rPr lang="en-US" sz="3600" b="1" dirty="0"/>
               <a:t>Conclusion/Findings: </a:t>
             </a:r>
             <a:r>
-              <a:rPr lang="en-US" sz="3000" dirty="0"/>
-              <a:t>Through this assignment, our team had the opportunity to delve into a realistic development setting. Using this assignment as an opportunity to learn machine learning, we faced many real world challenges such as learning new technologies, connecting technologies, and falling into technical debt. While we were able to learn a lot of the impressive hands-on capabilities of machine learning and natural language processing, we were also given the opportunity to experience and prepare for what life as a developer outside of college might truly be like.</a:t>
+              <a:rPr lang="en-US" sz="3400" dirty="0"/>
+              <a:t>Through this assignment, our team had the opportunity to delve into a realistic development setting. We faced many real-world challenges such as learning new technologies, connecting technologies, and falling into technical debt. While we were able to learn a lot of the impressive hands-on capabilities of machine learning, we were also given the opportunity to experience and prepare for what life as a developer outside of college might truly be like.</a:t>
             </a:r>
           </a:p>
         </p:txBody>
@@ -3477,7 +3463,7 @@
         </p:blipFill>
         <p:spPr>
           <a:xfrm>
-            <a:off x="18855851" y="25687619"/>
+            <a:off x="18874901" y="25687619"/>
             <a:ext cx="2857500" cy="2857500"/>
           </a:xfrm>
           <a:prstGeom prst="rect">
@@ -3500,7 +3486,7 @@
         <p:spPr>
           <a:xfrm>
             <a:off x="10972799" y="25423598"/>
-            <a:ext cx="7711041" cy="3385542"/>
+            <a:ext cx="7711041" cy="3323987"/>
           </a:xfrm>
           <a:prstGeom prst="rect">
             <a:avLst/>
@@ -3519,21 +3505,21 @@
           <a:lstStyle/>
           <a:p>
             <a:r>
-              <a:rPr lang="en-US" sz="3400" b="1" dirty="0"/>
+              <a:rPr lang="en-US" sz="3600" b="1" dirty="0"/>
               <a:t>Future Work: </a:t>
             </a:r>
             <a:r>
-              <a:rPr lang="en-US" sz="3000" dirty="0"/>
-              <a:t>We would like to expand our machine learning algorithms to include Images from visual subreddits such as r/Pics</a:t>
-            </a:r>
-          </a:p>
-          <a:p>
-            <a:endParaRPr lang="en-US" sz="3000" dirty="0"/>
-          </a:p>
-          <a:p>
-            <a:r>
-              <a:rPr lang="en-US" sz="3000" dirty="0"/>
-              <a:t>Visit our Repo at https://github.com/csc4790-fall2019/sp-hagan-solomon-josh-nelson/wiki or Scan the QR Code</a:t>
+              <a:rPr lang="en-US" sz="3400" dirty="0"/>
+              <a:t>We would like to expand our machine learning algorithms to include images from visual subreddits such as r/Pics.</a:t>
+            </a:r>
+          </a:p>
+          <a:p>
+            <a:endParaRPr lang="en-US" sz="3400" dirty="0"/>
+          </a:p>
+          <a:p>
+            <a:r>
+              <a:rPr lang="en-US" sz="3400" dirty="0"/>
+              <a:t>Visit our repo by scanning the QR code -&gt;</a:t>
             </a:r>
           </a:p>
         </p:txBody>
@@ -3647,7 +3633,7 @@
         </p:blipFill>
         <p:spPr>
           <a:xfrm>
-            <a:off x="12422011" y="3743800"/>
+            <a:off x="12422011" y="3816370"/>
             <a:ext cx="8030696" cy="8173591"/>
           </a:xfrm>
           <a:prstGeom prst="rect">
@@ -3729,7 +3715,7 @@
         </p:blipFill>
         <p:spPr>
           <a:xfrm>
-            <a:off x="11344189" y="-415743"/>
+            <a:off x="11500500" y="-280603"/>
             <a:ext cx="2518455" cy="2893101"/>
           </a:xfrm>
           <a:prstGeom prst="rect">
@@ -3737,6 +3723,56 @@
           </a:prstGeom>
         </p:spPr>
       </p:pic>
+      <p:sp>
+        <p:nvSpPr>
+          <p:cNvPr id="17" name="TextBox 16">
+            <a:extLst>
+              <a:ext uri="{FF2B5EF4-FFF2-40B4-BE49-F238E27FC236}">
+                <a16:creationId xmlns:a16="http://schemas.microsoft.com/office/drawing/2014/main" id="{BBE0096B-A21C-4DB3-A1EA-CDBAB3791CF9}"/>
+              </a:ext>
+            </a:extLst>
+          </p:cNvPr>
+          <p:cNvSpPr txBox="1"/>
+          <p:nvPr/>
+        </p:nvSpPr>
+        <p:spPr>
+          <a:xfrm>
+            <a:off x="8905876" y="567001"/>
+            <a:ext cx="3059535" cy="1569660"/>
+          </a:xfrm>
+          <a:prstGeom prst="rect">
+            <a:avLst/>
+          </a:prstGeom>
+          <a:noFill/>
+        </p:spPr>
+        <p:txBody>
+          <a:bodyPr wrap="square" rtlCol="0">
+            <a:spAutoFit/>
+          </a:bodyPr>
+          <a:lstStyle/>
+          <a:p>
+            <a:pPr algn="ctr"/>
+            <a:r>
+              <a:rPr lang="en-US" sz="9600" b="1" dirty="0">
+                <a:solidFill>
+                  <a:srgbClr val="FF4301"/>
+                </a:solidFill>
+                <a:latin typeface="Castellar" panose="020A0402060406010301" pitchFamily="18" charset="0"/>
+              </a:rPr>
+              <a:t>K</a:t>
+            </a:r>
+            <a:r>
+              <a:rPr lang="en-US" sz="9600" b="1" dirty="0">
+                <a:solidFill>
+                  <a:srgbClr val="9494FF"/>
+                </a:solidFill>
+                <a:latin typeface="Castellar" panose="020A0402060406010301" pitchFamily="18" charset="0"/>
+              </a:rPr>
+              <a:t>W</a:t>
+            </a:r>
+          </a:p>
+        </p:txBody>
+      </p:sp>
     </p:spTree>
     <p:extLst>
       <p:ext uri="{BB962C8B-B14F-4D97-AF65-F5344CB8AC3E}">
